--- a/BLACKJACK.pptx
+++ b/BLACKJACK.pptx
@@ -13,10 +13,12 @@
     <p:sldId id="266" r:id="rId7"/>
     <p:sldId id="260" r:id="rId8"/>
     <p:sldId id="261" r:id="rId9"/>
-    <p:sldId id="267" r:id="rId10"/>
-    <p:sldId id="268" r:id="rId11"/>
-    <p:sldId id="262" r:id="rId12"/>
-    <p:sldId id="263" r:id="rId13"/>
+    <p:sldId id="269" r:id="rId10"/>
+    <p:sldId id="270" r:id="rId11"/>
+    <p:sldId id="267" r:id="rId12"/>
+    <p:sldId id="268" r:id="rId13"/>
+    <p:sldId id="262" r:id="rId14"/>
+    <p:sldId id="263" r:id="rId15"/>
   </p:sldIdLst>
   <p:sldSz cx="9144000" cy="6858000" type="screen4x3"/>
   <p:notesSz cx="7104063" cy="10234613"/>
@@ -128,6 +130,8 @@
             <p14:sldId id="266"/>
             <p14:sldId id="260"/>
             <p14:sldId id="261"/>
+            <p14:sldId id="269"/>
+            <p14:sldId id="270"/>
             <p14:sldId id="267"/>
             <p14:sldId id="268"/>
             <p14:sldId id="262"/>
@@ -4876,6 +4880,400 @@
         </p:nvSpPr>
         <p:spPr/>
         <p:txBody>
+          <a:bodyPr>
+            <a:noAutofit/>
+          </a:bodyPr>
+          <a:lstStyle/>
+          <a:p>
+            <a:r>
+              <a:rPr lang="ja-JP" altLang="en-US" sz="1800" dirty="0" smtClean="0"/>
+              <a:t>プレイヤー、ディーラーの管理</a:t>
+            </a:r>
+            <a:endParaRPr lang="en-US" altLang="ja-JP" sz="1800" dirty="0" smtClean="0"/>
+          </a:p>
+          <a:p>
+            <a:pPr marL="0" indent="0">
+              <a:buNone/>
+            </a:pPr>
+            <a:r>
+              <a:rPr lang="ja-JP" altLang="en-US" sz="1800" dirty="0" smtClean="0"/>
+              <a:t>フォームアプリ</a:t>
+            </a:r>
+            <a:endParaRPr lang="en-US" altLang="ja-JP" sz="1800" dirty="0" smtClean="0"/>
+          </a:p>
+          <a:p>
+            <a:pPr marL="0" indent="0">
+              <a:buNone/>
+            </a:pPr>
+            <a:r>
+              <a:rPr lang="ja-JP" altLang="en-US" sz="1800" dirty="0" smtClean="0"/>
+              <a:t>　→　変数のみ全てを管理</a:t>
+            </a:r>
+            <a:endParaRPr lang="en-US" altLang="ja-JP" sz="1800" dirty="0" smtClean="0"/>
+          </a:p>
+          <a:p>
+            <a:pPr marL="0" indent="0">
+              <a:buNone/>
+            </a:pPr>
+            <a:r>
+              <a:rPr lang="en-US" altLang="ja-JP" sz="1800" dirty="0" smtClean="0"/>
+              <a:t>Unity</a:t>
+            </a:r>
+          </a:p>
+          <a:p>
+            <a:pPr marL="0" indent="0">
+              <a:buNone/>
+            </a:pPr>
+            <a:r>
+              <a:rPr lang="ja-JP" altLang="en-US" sz="1800" dirty="0" smtClean="0"/>
+              <a:t>　→　親クラスを作り、継承を用いてそれぞれで管理</a:t>
+            </a:r>
+            <a:endParaRPr lang="en-US" altLang="ja-JP" sz="1800" dirty="0" smtClean="0"/>
+          </a:p>
+          <a:p>
+            <a:endParaRPr kumimoji="1" lang="en-US" altLang="ja-JP" sz="1800" dirty="0" smtClean="0"/>
+          </a:p>
+          <a:p>
+            <a:r>
+              <a:rPr lang="ja-JP" altLang="en-US" sz="1800" dirty="0" smtClean="0"/>
+              <a:t>独自性</a:t>
+            </a:r>
+            <a:endParaRPr kumimoji="1" lang="en-US" altLang="ja-JP" sz="1800" dirty="0" smtClean="0"/>
+          </a:p>
+          <a:p>
+            <a:pPr marL="0" indent="0">
+              <a:buNone/>
+            </a:pPr>
+            <a:r>
+              <a:rPr lang="ja-JP" altLang="en-US" sz="1800" dirty="0" smtClean="0"/>
+              <a:t>フォームアプリ</a:t>
+            </a:r>
+            <a:endParaRPr lang="en-US" altLang="ja-JP" sz="1800" dirty="0" smtClean="0"/>
+          </a:p>
+          <a:p>
+            <a:pPr marL="0" indent="0">
+              <a:buNone/>
+            </a:pPr>
+            <a:r>
+              <a:rPr lang="ja-JP" altLang="en-US" sz="1800" dirty="0"/>
+              <a:t>　</a:t>
+            </a:r>
+            <a:r>
+              <a:rPr lang="ja-JP" altLang="en-US" sz="1800" dirty="0" smtClean="0"/>
+              <a:t>→　</a:t>
+            </a:r>
+            <a:r>
+              <a:rPr lang="ja-JP" altLang="en-US" sz="1800" dirty="0"/>
+              <a:t>ディーラー</a:t>
+            </a:r>
+            <a:r>
+              <a:rPr lang="ja-JP" altLang="en-US" sz="1800" dirty="0" smtClean="0"/>
+              <a:t>の性格機能を追加</a:t>
+            </a:r>
+            <a:endParaRPr lang="en-US" altLang="ja-JP" sz="1800" dirty="0" smtClean="0"/>
+          </a:p>
+          <a:p>
+            <a:pPr marL="0" indent="0">
+              <a:buNone/>
+            </a:pPr>
+            <a:r>
+              <a:rPr lang="en-US" altLang="ja-JP" sz="1800" dirty="0"/>
+              <a:t> </a:t>
+            </a:r>
+            <a:r>
+              <a:rPr lang="en-US" altLang="ja-JP" sz="1800" dirty="0" smtClean="0"/>
+              <a:t>           (</a:t>
+            </a:r>
+            <a:r>
+              <a:rPr lang="ja-JP" altLang="en-US" sz="1800" dirty="0" smtClean="0"/>
+              <a:t>性格によってカードを引く数字の値を変化</a:t>
+            </a:r>
+            <a:r>
+              <a:rPr lang="en-US" altLang="ja-JP" sz="1800" dirty="0" smtClean="0"/>
+              <a:t>)</a:t>
+            </a:r>
+          </a:p>
+          <a:p>
+            <a:pPr marL="0" indent="0">
+              <a:buNone/>
+            </a:pPr>
+            <a:r>
+              <a:rPr kumimoji="1" lang="en-US" altLang="ja-JP" sz="1800" dirty="0" smtClean="0"/>
+              <a:t>Unity</a:t>
+            </a:r>
+          </a:p>
+          <a:p>
+            <a:pPr marL="0" indent="0">
+              <a:buNone/>
+            </a:pPr>
+            <a:r>
+              <a:rPr kumimoji="1" lang="ja-JP" altLang="en-US" sz="1800" dirty="0" smtClean="0"/>
+              <a:t>　→</a:t>
+            </a:r>
+            <a:r>
+              <a:rPr lang="ja-JP" altLang="en-US" sz="1800" dirty="0"/>
+              <a:t>　</a:t>
+            </a:r>
+            <a:r>
+              <a:rPr lang="en-US" altLang="ja-JP" sz="1800" dirty="0" err="1" smtClean="0"/>
+              <a:t>VIPRoom</a:t>
+            </a:r>
+            <a:r>
+              <a:rPr lang="ja-JP" altLang="en-US" sz="1800" dirty="0" smtClean="0"/>
+              <a:t>機能を追加</a:t>
+            </a:r>
+            <a:endParaRPr lang="en-US" altLang="ja-JP" sz="1800" dirty="0" smtClean="0"/>
+          </a:p>
+          <a:p>
+            <a:pPr marL="0" indent="0">
+              <a:buNone/>
+            </a:pPr>
+            <a:r>
+              <a:rPr kumimoji="1" lang="ja-JP" altLang="en-US" sz="1800" dirty="0"/>
+              <a:t>　</a:t>
+            </a:r>
+            <a:r>
+              <a:rPr kumimoji="1" lang="ja-JP" altLang="en-US" sz="1800" dirty="0" smtClean="0"/>
+              <a:t>　　</a:t>
+            </a:r>
+            <a:r>
+              <a:rPr kumimoji="1" lang="en-US" altLang="ja-JP" sz="1800" smtClean="0"/>
+              <a:t>(</a:t>
+            </a:r>
+            <a:r>
+              <a:rPr kumimoji="1" lang="ja-JP" altLang="en-US" sz="1800" smtClean="0"/>
+              <a:t>ハイリスクハイリターンな設定</a:t>
+            </a:r>
+            <a:r>
+              <a:rPr kumimoji="1" lang="ja-JP" altLang="en-US" sz="1800" dirty="0" smtClean="0"/>
+              <a:t>に変化</a:t>
+            </a:r>
+            <a:r>
+              <a:rPr kumimoji="1" lang="en-US" altLang="ja-JP" sz="1800" dirty="0" smtClean="0"/>
+              <a:t>)</a:t>
+            </a:r>
+            <a:endParaRPr kumimoji="1" lang="en-US" altLang="ja-JP" sz="1800" dirty="0" smtClean="0"/>
+          </a:p>
+        </p:txBody>
+      </p:sp>
+      <p:sp>
+        <p:nvSpPr>
+          <p:cNvPr id="3" name="タイトル 2"/>
+          <p:cNvSpPr>
+            <a:spLocks noGrp="1"/>
+          </p:cNvSpPr>
+          <p:nvPr>
+            <p:ph type="title"/>
+          </p:nvPr>
+        </p:nvSpPr>
+        <p:spPr/>
+        <p:txBody>
+          <a:bodyPr/>
+          <a:lstStyle/>
+          <a:p>
+            <a:r>
+              <a:rPr lang="ja-JP" altLang="en-US" sz="4800" dirty="0" smtClean="0"/>
+              <a:t>プログラミング</a:t>
+            </a:r>
+            <a:r>
+              <a:rPr lang="ja-JP" altLang="en-US" sz="4800" dirty="0" smtClean="0"/>
+              <a:t>技術</a:t>
+            </a:r>
+            <a:r>
+              <a:rPr lang="en-US" altLang="ja-JP" sz="4800" dirty="0" smtClean="0"/>
+              <a:t>(3/3)</a:t>
+            </a:r>
+            <a:br>
+              <a:rPr lang="en-US" altLang="ja-JP" sz="4800" dirty="0" smtClean="0"/>
+            </a:br>
+            <a:r>
+              <a:rPr lang="ja-JP" altLang="en-US" sz="2400" dirty="0" smtClean="0"/>
+              <a:t>フォームアプリからの変更点</a:t>
+            </a:r>
+            <a:endParaRPr kumimoji="1" lang="ja-JP" altLang="en-US" sz="2400" dirty="0"/>
+          </a:p>
+        </p:txBody>
+      </p:sp>
+    </p:spTree>
+    <p:extLst>
+      <p:ext uri="{BB962C8B-B14F-4D97-AF65-F5344CB8AC3E}">
+        <p14:creationId xmlns:p14="http://schemas.microsoft.com/office/powerpoint/2010/main" val="1710964959"/>
+      </p:ext>
+    </p:extLst>
+  </p:cSld>
+  <p:clrMapOvr>
+    <a:masterClrMapping/>
+  </p:clrMapOvr>
+  <p:timing>
+    <p:tnLst>
+      <p:par>
+        <p:cTn id="1" dur="indefinite" restart="never" nodeType="tmRoot"/>
+      </p:par>
+    </p:tnLst>
+  </p:timing>
+</p:sld>
+</file>
+
+<file path=ppt/slides/slide11.xml><?xml version="1.0" encoding="utf-8"?>
+<p:sld xmlns:a="http://schemas.openxmlformats.org/drawingml/2006/main" xmlns:r="http://schemas.openxmlformats.org/officeDocument/2006/relationships" xmlns:p="http://schemas.openxmlformats.org/presentationml/2006/main">
+  <p:cSld>
+    <p:spTree>
+      <p:nvGrpSpPr>
+        <p:cNvPr id="1" name=""/>
+        <p:cNvGrpSpPr/>
+        <p:nvPr/>
+      </p:nvGrpSpPr>
+      <p:grpSpPr>
+        <a:xfrm>
+          <a:off x="0" y="0"/>
+          <a:ext cx="0" cy="0"/>
+          <a:chOff x="0" y="0"/>
+          <a:chExt cx="0" cy="0"/>
+        </a:xfrm>
+      </p:grpSpPr>
+      <p:sp>
+        <p:nvSpPr>
+          <p:cNvPr id="2" name="コンテンツ プレースホルダー 1"/>
+          <p:cNvSpPr>
+            <a:spLocks noGrp="1"/>
+          </p:cNvSpPr>
+          <p:nvPr>
+            <p:ph idx="1"/>
+          </p:nvPr>
+        </p:nvSpPr>
+        <p:spPr/>
+        <p:txBody>
+          <a:bodyPr/>
+          <a:lstStyle/>
+          <a:p>
+            <a:endParaRPr kumimoji="1" lang="ja-JP" altLang="en-US" dirty="0"/>
+          </a:p>
+        </p:txBody>
+      </p:sp>
+      <p:sp>
+        <p:nvSpPr>
+          <p:cNvPr id="3" name="タイトル 2"/>
+          <p:cNvSpPr>
+            <a:spLocks noGrp="1"/>
+          </p:cNvSpPr>
+          <p:nvPr>
+            <p:ph type="title"/>
+          </p:nvPr>
+        </p:nvSpPr>
+        <p:spPr/>
+        <p:txBody>
+          <a:bodyPr/>
+          <a:lstStyle/>
+          <a:p>
+            <a:r>
+              <a:rPr lang="ja-JP" altLang="en-US" dirty="0" smtClean="0"/>
+              <a:t>クラス図</a:t>
+            </a:r>
+            <a:r>
+              <a:rPr lang="en-US" altLang="ja-JP" dirty="0" smtClean="0"/>
+              <a:t>(1/2)</a:t>
+            </a:r>
+            <a:br>
+              <a:rPr lang="en-US" altLang="ja-JP" dirty="0" smtClean="0"/>
+            </a:br>
+            <a:r>
+              <a:rPr lang="ja-JP" altLang="en-US" sz="2400" dirty="0" smtClean="0"/>
+              <a:t>ゲーム管理</a:t>
+            </a:r>
+            <a:endParaRPr kumimoji="1" lang="ja-JP" altLang="en-US" sz="2400" dirty="0"/>
+          </a:p>
+        </p:txBody>
+      </p:sp>
+      <p:pic>
+        <p:nvPicPr>
+          <p:cNvPr id="1027" name="Picture 3" descr="C:\Users\202004game\Desktop\UnityProject\Blackjack\out\plantuml\BlackjackAllclass\gameCore.png"/>
+          <p:cNvPicPr>
+            <a:picLocks noChangeAspect="1" noChangeArrowheads="1"/>
+          </p:cNvPicPr>
+          <p:nvPr/>
+        </p:nvPicPr>
+        <p:blipFill>
+          <a:blip r:embed="rId2">
+            <a:extLst>
+              <a:ext uri="{28A0092B-C50C-407E-A947-70E740481C1C}">
+                <a14:useLocalDpi xmlns:a14="http://schemas.microsoft.com/office/drawing/2010/main" val="0"/>
+              </a:ext>
+            </a:extLst>
+          </a:blip>
+          <a:srcRect/>
+          <a:stretch>
+            <a:fillRect/>
+          </a:stretch>
+        </p:blipFill>
+        <p:spPr bwMode="auto">
+          <a:xfrm>
+            <a:off x="0" y="1713561"/>
+            <a:ext cx="9144000" cy="5161563"/>
+          </a:xfrm>
+          <a:prstGeom prst="rect">
+            <a:avLst/>
+          </a:prstGeom>
+          <a:noFill/>
+          <a:extLst>
+            <a:ext uri="{909E8E84-426E-40DD-AFC4-6F175D3DCCD1}">
+              <a14:hiddenFill xmlns:a14="http://schemas.microsoft.com/office/drawing/2010/main">
+                <a:solidFill>
+                  <a:srgbClr val="FFFFFF"/>
+                </a:solidFill>
+              </a14:hiddenFill>
+            </a:ext>
+          </a:extLst>
+        </p:spPr>
+      </p:pic>
+    </p:spTree>
+    <p:extLst>
+      <p:ext uri="{BB962C8B-B14F-4D97-AF65-F5344CB8AC3E}">
+        <p14:creationId xmlns:p14="http://schemas.microsoft.com/office/powerpoint/2010/main" val="85094855"/>
+      </p:ext>
+    </p:extLst>
+  </p:cSld>
+  <p:clrMapOvr>
+    <a:masterClrMapping/>
+  </p:clrMapOvr>
+  <p:timing>
+    <p:tnLst>
+      <p:par>
+        <p:cTn id="1" dur="indefinite" restart="never" nodeType="tmRoot"/>
+      </p:par>
+    </p:tnLst>
+  </p:timing>
+</p:sld>
+</file>
+
+<file path=ppt/slides/slide12.xml><?xml version="1.0" encoding="utf-8"?>
+<p:sld xmlns:a="http://schemas.openxmlformats.org/drawingml/2006/main" xmlns:r="http://schemas.openxmlformats.org/officeDocument/2006/relationships" xmlns:p="http://schemas.openxmlformats.org/presentationml/2006/main">
+  <p:cSld>
+    <p:spTree>
+      <p:nvGrpSpPr>
+        <p:cNvPr id="1" name=""/>
+        <p:cNvGrpSpPr/>
+        <p:nvPr/>
+      </p:nvGrpSpPr>
+      <p:grpSpPr>
+        <a:xfrm>
+          <a:off x="0" y="0"/>
+          <a:ext cx="0" cy="0"/>
+          <a:chOff x="0" y="0"/>
+          <a:chExt cx="0" cy="0"/>
+        </a:xfrm>
+      </p:grpSpPr>
+      <p:sp>
+        <p:nvSpPr>
+          <p:cNvPr id="2" name="コンテンツ プレースホルダー 1"/>
+          <p:cNvSpPr>
+            <a:spLocks noGrp="1"/>
+          </p:cNvSpPr>
+          <p:nvPr>
+            <p:ph idx="1"/>
+          </p:nvPr>
+        </p:nvSpPr>
+        <p:spPr/>
+        <p:txBody>
           <a:bodyPr/>
           <a:lstStyle/>
           <a:p>
@@ -4982,7 +5380,7 @@
 </p:sld>
 </file>
 
-<file path=ppt/slides/slide11.xml><?xml version="1.0" encoding="utf-8"?>
+<file path=ppt/slides/slide13.xml><?xml version="1.0" encoding="utf-8"?>
 <p:sld xmlns:a="http://schemas.openxmlformats.org/drawingml/2006/main" xmlns:r="http://schemas.openxmlformats.org/officeDocument/2006/relationships" xmlns:p="http://schemas.openxmlformats.org/presentationml/2006/main">
   <p:cSld>
     <p:spTree>
@@ -5122,7 +5520,7 @@
 </p:sld>
 </file>
 
-<file path=ppt/slides/slide12.xml><?xml version="1.0" encoding="utf-8"?>
+<file path=ppt/slides/slide14.xml><?xml version="1.0" encoding="utf-8"?>
 <p:sld xmlns:a="http://schemas.openxmlformats.org/drawingml/2006/main" xmlns:r="http://schemas.openxmlformats.org/officeDocument/2006/relationships" xmlns:p="http://schemas.openxmlformats.org/presentationml/2006/main">
   <p:cSld>
     <p:spTree>
@@ -5156,7 +5554,11 @@
           <a:p>
             <a:r>
               <a:rPr kumimoji="1" lang="ja-JP" altLang="en-US" dirty="0" smtClean="0"/>
-              <a:t>半年前はパソコンすらあまり触ったことがなかった自分が</a:t>
+              <a:t>半年前はパソコンすらあまり触ったことが</a:t>
+            </a:r>
+            <a:r>
+              <a:rPr kumimoji="1" lang="ja-JP" altLang="en-US" dirty="0" smtClean="0"/>
+              <a:t>なかった状態から</a:t>
             </a:r>
             <a:r>
               <a:rPr kumimoji="1" lang="en-US" altLang="ja-JP" dirty="0" smtClean="0"/>
@@ -5260,11 +5662,7 @@
           <a:p>
             <a:r>
               <a:rPr lang="ja-JP" altLang="en-US" dirty="0" smtClean="0"/>
-              <a:t>ゲーム</a:t>
-            </a:r>
-            <a:r>
-              <a:rPr lang="ja-JP" altLang="en-US" dirty="0" smtClean="0"/>
-              <a:t>説明</a:t>
+              <a:t>ゲーム説明</a:t>
             </a:r>
             <a:r>
               <a:rPr lang="en-US" altLang="ja-JP" dirty="0" smtClean="0"/>
@@ -5280,7 +5678,6 @@
               <a:rPr lang="en-US" altLang="ja-JP" dirty="0" smtClean="0"/>
               <a:t>(2/2)</a:t>
             </a:r>
-            <a:endParaRPr lang="en-US" altLang="ja-JP" dirty="0" smtClean="0"/>
           </a:p>
           <a:p>
             <a:r>
@@ -5300,11 +5697,7 @@
             </a:r>
             <a:r>
               <a:rPr lang="ja-JP" altLang="en-US" dirty="0" smtClean="0"/>
-              <a:t>機能・デザイン</a:t>
-            </a:r>
-            <a:r>
-              <a:rPr lang="ja-JP" altLang="en-US" dirty="0" smtClean="0"/>
-              <a:t>）</a:t>
+              <a:t>機能・デザイン）</a:t>
             </a:r>
             <a:endParaRPr lang="en-US" altLang="ja-JP" dirty="0" smtClean="0"/>
           </a:p>
@@ -5327,7 +5720,6 @@
               <a:rPr lang="en-US" altLang="ja-JP" dirty="0" smtClean="0"/>
               <a:t>(2/2)</a:t>
             </a:r>
-            <a:endParaRPr lang="en-US" altLang="ja-JP" dirty="0" smtClean="0"/>
           </a:p>
           <a:p>
             <a:r>
@@ -5425,50 +5817,69 @@
         </p:nvSpPr>
         <p:spPr/>
         <p:txBody>
-          <a:bodyPr/>
+          <a:bodyPr>
+            <a:normAutofit/>
+          </a:bodyPr>
           <a:lstStyle/>
           <a:p>
+            <a:r>
+              <a:rPr lang="ja-JP" altLang="en-US" dirty="0" smtClean="0"/>
+              <a:t>自分</a:t>
+            </a:r>
+            <a:r>
+              <a:rPr lang="ja-JP" altLang="en-US" dirty="0"/>
+              <a:t>なりに吸収できたことを最大限表現できるポートフォリオとして作成する。</a:t>
+            </a:r>
+            <a:endParaRPr lang="en-US" altLang="ja-JP" dirty="0"/>
+          </a:p>
+          <a:p>
+            <a:pPr marL="0" indent="0">
+              <a:buNone/>
+            </a:pPr>
+            <a:endParaRPr lang="en-US" altLang="ja-JP" dirty="0" smtClean="0"/>
+          </a:p>
+          <a:p>
+            <a:r>
+              <a:rPr lang="ja-JP" altLang="en-US" dirty="0" smtClean="0"/>
+              <a:t>サンプルコードを使わず、自作で既存のゲームの動きを実現させる。</a:t>
+            </a:r>
+            <a:endParaRPr lang="en-US" altLang="ja-JP" dirty="0" smtClean="0"/>
+          </a:p>
+          <a:p>
+            <a:endParaRPr lang="en-US" altLang="ja-JP" dirty="0"/>
+          </a:p>
+          <a:p>
+            <a:r>
+              <a:rPr lang="en-US" altLang="ja-JP" dirty="0" smtClean="0"/>
+              <a:t> </a:t>
+            </a:r>
+            <a:r>
+              <a:rPr lang="ja-JP" altLang="en-US" dirty="0" smtClean="0"/>
+              <a:t>さらに上記をもとに</a:t>
+            </a:r>
             <a:r>
               <a:rPr lang="en-US" altLang="ja-JP" dirty="0" smtClean="0"/>
               <a:t>Windows</a:t>
             </a:r>
             <a:r>
               <a:rPr lang="ja-JP" altLang="en-US" dirty="0"/>
-              <a:t>フォームアプリで制作</a:t>
-            </a:r>
-            <a:r>
-              <a:rPr lang="ja-JP" altLang="en-US" dirty="0" smtClean="0"/>
-              <a:t>した</a:t>
-            </a:r>
-            <a:r>
-              <a:rPr lang="en-US" altLang="ja-JP" dirty="0" smtClean="0"/>
+              <a:t>フォームアプリで制作した</a:t>
+            </a:r>
+            <a:r>
+              <a:rPr lang="en-US" altLang="ja-JP" dirty="0"/>
               <a:t>BLACKJACK</a:t>
             </a:r>
             <a:r>
-              <a:rPr lang="ja-JP" altLang="en-US" dirty="0" smtClean="0"/>
+              <a:rPr lang="ja-JP" altLang="en-US" dirty="0"/>
               <a:t>を</a:t>
             </a:r>
             <a:r>
-              <a:rPr lang="en-US" altLang="ja-JP" dirty="0" smtClean="0"/>
+              <a:rPr lang="en-US" altLang="ja-JP" dirty="0"/>
               <a:t>Unity</a:t>
             </a:r>
             <a:r>
               <a:rPr lang="ja-JP" altLang="en-US" dirty="0"/>
-              <a:t>に移植する</a:t>
-            </a:r>
-            <a:r>
-              <a:rPr lang="ja-JP" altLang="en-US" dirty="0" smtClean="0"/>
-              <a:t>。</a:t>
-            </a:r>
-            <a:endParaRPr lang="en-US" altLang="ja-JP" dirty="0" smtClean="0"/>
-          </a:p>
-          <a:p>
-            <a:endParaRPr lang="en-US" altLang="ja-JP" dirty="0"/>
-          </a:p>
-          <a:p>
-            <a:r>
-              <a:rPr lang="ja-JP" altLang="en-US" dirty="0" smtClean="0"/>
-              <a:t>半年間学んで自分なりに吸収できたことを最大限表現できるポートフォリオとして作成する。</a:t>
+              <a:t>に移植する。</a:t>
             </a:r>
             <a:endParaRPr lang="en-US" altLang="ja-JP" dirty="0"/>
           </a:p>
@@ -5713,11 +6124,7 @@
             </a:r>
             <a:r>
               <a:rPr lang="ja-JP" altLang="en-US" dirty="0" smtClean="0"/>
-              <a:t>だと</a:t>
-            </a:r>
-            <a:r>
-              <a:rPr lang="ja-JP" altLang="en-US" dirty="0" smtClean="0"/>
-              <a:t>、一番</a:t>
+              <a:t>だと、一番</a:t>
             </a:r>
             <a:r>
               <a:rPr lang="ja-JP" altLang="en-US" dirty="0"/>
@@ -5844,11 +6251,7 @@
             </a:r>
             <a:r>
               <a:rPr lang="en-US" altLang="ja-JP" dirty="0" smtClean="0"/>
-              <a:t>(1/2</a:t>
-            </a:r>
-            <a:r>
-              <a:rPr lang="en-US" altLang="ja-JP" dirty="0" smtClean="0"/>
-              <a:t>)</a:t>
+              <a:t>(1/2)</a:t>
             </a:r>
             <a:r>
               <a:rPr lang="en-US" altLang="ja-JP" dirty="0"/>
@@ -6157,11 +6560,7 @@
             </a:r>
             <a:r>
               <a:rPr lang="en-US" altLang="ja-JP" dirty="0" smtClean="0"/>
-              <a:t>(2/2</a:t>
-            </a:r>
-            <a:r>
-              <a:rPr lang="en-US" altLang="ja-JP" dirty="0" smtClean="0"/>
-              <a:t>)</a:t>
+              <a:t>(2/2)</a:t>
             </a:r>
             <a:br>
               <a:rPr lang="en-US" altLang="ja-JP" dirty="0" smtClean="0"/>
@@ -6573,88 +6972,106 @@
         </p:nvSpPr>
         <p:spPr/>
         <p:txBody>
+          <a:bodyPr>
+            <a:normAutofit/>
+          </a:bodyPr>
+          <a:lstStyle/>
+          <a:p>
+            <a:r>
+              <a:rPr lang="ja-JP" altLang="en-US" dirty="0"/>
+              <a:t>トランプの</a:t>
+            </a:r>
+            <a:r>
+              <a:rPr lang="ja-JP" altLang="en-US" dirty="0" smtClean="0"/>
+              <a:t>管理、プレイヤー、ディーラーの行動の管理をクラス、継承を</a:t>
+            </a:r>
+            <a:r>
+              <a:rPr lang="ja-JP" altLang="en-US" dirty="0" smtClean="0"/>
+              <a:t>用いて</a:t>
+            </a:r>
+            <a:r>
+              <a:rPr lang="ja-JP" altLang="en-US" dirty="0"/>
+              <a:t>オブジェクト指向で設計</a:t>
+            </a:r>
+            <a:r>
+              <a:rPr lang="ja-JP" altLang="en-US" dirty="0" smtClean="0"/>
+              <a:t>しました。</a:t>
+            </a:r>
+            <a:endParaRPr lang="en-US" altLang="ja-JP" dirty="0" smtClean="0"/>
+          </a:p>
+          <a:p>
+            <a:endParaRPr kumimoji="1" lang="en-US" altLang="ja-JP" dirty="0" smtClean="0"/>
+          </a:p>
+          <a:p>
+            <a:r>
+              <a:rPr kumimoji="1" lang="ja-JP" altLang="en-US" dirty="0" smtClean="0"/>
+              <a:t>勝敗の管理と、ノーマルステージ、ボーナスステージの管理</a:t>
+            </a:r>
+            <a:r>
+              <a:rPr kumimoji="1" lang="ja-JP" altLang="en-US" dirty="0" smtClean="0"/>
+              <a:t>を</a:t>
+            </a:r>
+            <a:r>
+              <a:rPr lang="ja-JP" altLang="en-US" dirty="0" smtClean="0"/>
+              <a:t>列挙型</a:t>
+            </a:r>
+            <a:r>
+              <a:rPr lang="ja-JP" altLang="en-US" dirty="0"/>
+              <a:t>を使うことで、コードを見易く</a:t>
+            </a:r>
+            <a:r>
+              <a:rPr lang="ja-JP" altLang="en-US" dirty="0" smtClean="0"/>
+              <a:t>しました。</a:t>
+            </a:r>
+            <a:endParaRPr kumimoji="1" lang="en-US" altLang="ja-JP" dirty="0" smtClean="0"/>
+          </a:p>
+          <a:p>
+            <a:pPr marL="0" indent="0">
+              <a:buNone/>
+            </a:pPr>
+            <a:endParaRPr kumimoji="1" lang="en-US" altLang="ja-JP" dirty="0" smtClean="0"/>
+          </a:p>
+        </p:txBody>
+      </p:sp>
+      <p:sp>
+        <p:nvSpPr>
+          <p:cNvPr id="3" name="タイトル 2"/>
+          <p:cNvSpPr>
+            <a:spLocks noGrp="1"/>
+          </p:cNvSpPr>
+          <p:nvPr>
+            <p:ph type="title"/>
+          </p:nvPr>
+        </p:nvSpPr>
+        <p:spPr/>
+        <p:txBody>
           <a:bodyPr/>
           <a:lstStyle/>
           <a:p>
             <a:r>
-              <a:rPr lang="ja-JP" altLang="en-US" dirty="0"/>
-              <a:t>トランプの</a:t>
-            </a:r>
-            <a:r>
-              <a:rPr lang="ja-JP" altLang="en-US" dirty="0" smtClean="0"/>
-              <a:t>管理、プレイヤー、ディーラーの行動の管理をクラス、継承を用いて簡略化しました。</a:t>
-            </a:r>
-            <a:endParaRPr lang="en-US" altLang="ja-JP" dirty="0" smtClean="0"/>
-          </a:p>
-          <a:p>
-            <a:endParaRPr kumimoji="1" lang="en-US" altLang="ja-JP" dirty="0" smtClean="0"/>
-          </a:p>
-          <a:p>
-            <a:r>
-              <a:rPr kumimoji="1" lang="ja-JP" altLang="en-US" dirty="0" smtClean="0"/>
-              <a:t>勝敗の管理と、ノーマルステージ、ボーナスステージの管理を</a:t>
-            </a:r>
-            <a:r>
-              <a:rPr kumimoji="1" lang="en-US" altLang="ja-JP" dirty="0" err="1" smtClean="0"/>
-              <a:t>enum</a:t>
-            </a:r>
-            <a:r>
-              <a:rPr kumimoji="1" lang="ja-JP" altLang="en-US" dirty="0" smtClean="0"/>
-              <a:t>を用いて管理しました。</a:t>
-            </a:r>
-            <a:endParaRPr kumimoji="1" lang="en-US" altLang="ja-JP" dirty="0" smtClean="0"/>
-          </a:p>
-          <a:p>
-            <a:endParaRPr kumimoji="1" lang="en-US" altLang="ja-JP" dirty="0" smtClean="0"/>
-          </a:p>
-          <a:p>
-            <a:r>
-              <a:rPr lang="ja-JP" altLang="en-US" dirty="0" smtClean="0"/>
-              <a:t>コマンドの</a:t>
-            </a:r>
-            <a:r>
-              <a:rPr lang="en-US" altLang="ja-JP" dirty="0" smtClean="0"/>
-              <a:t>HIT(</a:t>
-            </a:r>
-            <a:r>
-              <a:rPr lang="ja-JP" altLang="en-US" dirty="0" smtClean="0"/>
-              <a:t>カードを追加</a:t>
-            </a:r>
-            <a:r>
-              <a:rPr lang="en-US" altLang="ja-JP" dirty="0" smtClean="0"/>
-              <a:t>)</a:t>
-            </a:r>
-            <a:r>
-              <a:rPr lang="ja-JP" altLang="en-US" dirty="0" smtClean="0"/>
-              <a:t>押下時のカードの追加表示でゲームオブジェクトの親子の関係に苦戦しました。</a:t>
-            </a:r>
-            <a:endParaRPr kumimoji="1" lang="en-US" altLang="ja-JP" dirty="0" smtClean="0"/>
-          </a:p>
-          <a:p>
-            <a:endParaRPr kumimoji="1" lang="ja-JP" altLang="en-US" dirty="0"/>
-          </a:p>
-        </p:txBody>
-      </p:sp>
-      <p:sp>
-        <p:nvSpPr>
-          <p:cNvPr id="3" name="タイトル 2"/>
-          <p:cNvSpPr>
-            <a:spLocks noGrp="1"/>
-          </p:cNvSpPr>
-          <p:nvPr>
-            <p:ph type="title"/>
-          </p:nvPr>
-        </p:nvSpPr>
-        <p:spPr/>
-        <p:txBody>
-          <a:bodyPr/>
-          <a:lstStyle/>
-          <a:p>
-            <a:r>
-              <a:rPr lang="ja-JP" altLang="en-US" dirty="0" smtClean="0"/>
-              <a:t>プログラミング技術</a:t>
-            </a:r>
-            <a:endParaRPr kumimoji="1" lang="ja-JP" altLang="en-US" dirty="0"/>
+              <a:rPr lang="ja-JP" altLang="en-US" sz="4800" dirty="0" smtClean="0"/>
+              <a:t>プログラミング</a:t>
+            </a:r>
+            <a:r>
+              <a:rPr lang="ja-JP" altLang="en-US" sz="4800" dirty="0" smtClean="0"/>
+              <a:t>技術</a:t>
+            </a:r>
+            <a:r>
+              <a:rPr lang="en-US" altLang="ja-JP" sz="4800" dirty="0" smtClean="0"/>
+              <a:t>(1/3)</a:t>
+            </a:r>
+            <a:br>
+              <a:rPr lang="en-US" altLang="ja-JP" sz="4800" dirty="0" smtClean="0"/>
+            </a:br>
+            <a:r>
+              <a:rPr lang="ja-JP" altLang="en-US" sz="2400" dirty="0" smtClean="0"/>
+              <a:t>プログラミングに</a:t>
+            </a:r>
+            <a:r>
+              <a:rPr lang="ja-JP" altLang="en-US" sz="2400" dirty="0" smtClean="0"/>
+              <a:t>用いた手法等</a:t>
+            </a:r>
+            <a:endParaRPr kumimoji="1" lang="ja-JP" altLang="en-US" sz="2400" dirty="0"/>
           </a:p>
         </p:txBody>
       </p:sp>
@@ -6707,92 +7124,181 @@
         </p:nvSpPr>
         <p:spPr/>
         <p:txBody>
+          <a:bodyPr>
+            <a:normAutofit fontScale="92500" lnSpcReduction="20000"/>
+          </a:bodyPr>
+          <a:lstStyle/>
+          <a:p>
+            <a:r>
+              <a:rPr lang="ja-JP" altLang="en-US" dirty="0"/>
+              <a:t>トランプの</a:t>
+            </a:r>
+            <a:r>
+              <a:rPr lang="ja-JP" altLang="en-US" dirty="0" smtClean="0"/>
+              <a:t>管理</a:t>
+            </a:r>
+            <a:endParaRPr lang="en-US" altLang="ja-JP" dirty="0" smtClean="0"/>
+          </a:p>
+          <a:p>
+            <a:pPr marL="0" indent="0">
+              <a:buNone/>
+            </a:pPr>
+            <a:r>
+              <a:rPr lang="ja-JP" altLang="en-US" dirty="0" smtClean="0"/>
+              <a:t>フォームアプリ</a:t>
+            </a:r>
+            <a:endParaRPr lang="en-US" altLang="ja-JP" dirty="0"/>
+          </a:p>
+          <a:p>
+            <a:pPr marL="0" indent="0">
+              <a:buNone/>
+            </a:pPr>
+            <a:r>
+              <a:rPr lang="ja-JP" altLang="en-US" dirty="0" smtClean="0"/>
+              <a:t>　→　数字、トランプの絵</a:t>
+            </a:r>
+            <a:endParaRPr lang="en-US" altLang="ja-JP" dirty="0"/>
+          </a:p>
+          <a:p>
+            <a:pPr marL="0" indent="0">
+              <a:buNone/>
+            </a:pPr>
+            <a:r>
+              <a:rPr lang="en-US" altLang="ja-JP" dirty="0" smtClean="0"/>
+              <a:t>Unity</a:t>
+            </a:r>
+          </a:p>
+          <a:p>
+            <a:pPr marL="0" indent="0">
+              <a:buNone/>
+            </a:pPr>
+            <a:r>
+              <a:rPr lang="ja-JP" altLang="en-US" dirty="0"/>
+              <a:t>　</a:t>
+            </a:r>
+            <a:r>
+              <a:rPr lang="ja-JP" altLang="en-US" dirty="0" smtClean="0"/>
+              <a:t>→　数字、トランプの絵、スーツ</a:t>
+            </a:r>
+            <a:r>
+              <a:rPr lang="en-US" altLang="ja-JP" dirty="0"/>
+              <a:t>(</a:t>
+            </a:r>
+            <a:r>
+              <a:rPr lang="ja-JP" altLang="en-US" dirty="0"/>
+              <a:t>♠♥♦♣</a:t>
+            </a:r>
+            <a:r>
+              <a:rPr lang="en-US" altLang="ja-JP" dirty="0" smtClean="0"/>
+              <a:t>)</a:t>
+            </a:r>
+            <a:endParaRPr lang="en-US" altLang="ja-JP" dirty="0" smtClean="0"/>
+          </a:p>
+          <a:p>
+            <a:endParaRPr kumimoji="1" lang="en-US" altLang="ja-JP" dirty="0" smtClean="0"/>
+          </a:p>
+          <a:p>
+            <a:r>
+              <a:rPr kumimoji="1" lang="ja-JP" altLang="en-US" dirty="0" smtClean="0"/>
+              <a:t>勝敗の管理</a:t>
+            </a:r>
+            <a:endParaRPr kumimoji="1" lang="en-US" altLang="ja-JP" dirty="0" smtClean="0"/>
+          </a:p>
+          <a:p>
+            <a:pPr marL="0" indent="0">
+              <a:buNone/>
+            </a:pPr>
+            <a:r>
+              <a:rPr lang="ja-JP" altLang="en-US" dirty="0" smtClean="0"/>
+              <a:t>フォームアプリ</a:t>
+            </a:r>
+            <a:endParaRPr lang="en-US" altLang="ja-JP" dirty="0" smtClean="0"/>
+          </a:p>
+          <a:p>
+            <a:pPr marL="0" indent="0">
+              <a:buNone/>
+            </a:pPr>
+            <a:r>
+              <a:rPr lang="ja-JP" altLang="en-US" dirty="0" smtClean="0"/>
+              <a:t>　→　</a:t>
+            </a:r>
+            <a:r>
+              <a:rPr lang="en-US" altLang="ja-JP" dirty="0" smtClean="0"/>
+              <a:t>if</a:t>
+            </a:r>
+            <a:r>
+              <a:rPr lang="ja-JP" altLang="en-US" dirty="0" smtClean="0"/>
+              <a:t>文内に勝敗決定時の行動を全て記述。</a:t>
+            </a:r>
+            <a:endParaRPr lang="en-US" altLang="ja-JP" dirty="0" smtClean="0"/>
+          </a:p>
+          <a:p>
+            <a:pPr marL="0" indent="0">
+              <a:buNone/>
+            </a:pPr>
+            <a:r>
+              <a:rPr kumimoji="1" lang="en-US" altLang="ja-JP" dirty="0" smtClean="0"/>
+              <a:t>Unity</a:t>
+            </a:r>
+          </a:p>
+          <a:p>
+            <a:pPr marL="0" indent="0">
+              <a:buNone/>
+            </a:pPr>
+            <a:r>
+              <a:rPr kumimoji="1" lang="ja-JP" altLang="en-US" dirty="0" smtClean="0"/>
+              <a:t>　→</a:t>
+            </a:r>
+            <a:r>
+              <a:rPr lang="ja-JP" altLang="en-US" dirty="0" smtClean="0"/>
+              <a:t>　メソッドで行動を分け、見易くした。</a:t>
+            </a:r>
+            <a:endParaRPr kumimoji="1" lang="en-US" altLang="ja-JP" dirty="0" smtClean="0"/>
+          </a:p>
+        </p:txBody>
+      </p:sp>
+      <p:sp>
+        <p:nvSpPr>
+          <p:cNvPr id="3" name="タイトル 2"/>
+          <p:cNvSpPr>
+            <a:spLocks noGrp="1"/>
+          </p:cNvSpPr>
+          <p:nvPr>
+            <p:ph type="title"/>
+          </p:nvPr>
+        </p:nvSpPr>
+        <p:spPr/>
+        <p:txBody>
           <a:bodyPr/>
           <a:lstStyle/>
           <a:p>
-            <a:endParaRPr kumimoji="1" lang="ja-JP" altLang="en-US" dirty="0"/>
-          </a:p>
-        </p:txBody>
-      </p:sp>
-      <p:sp>
-        <p:nvSpPr>
-          <p:cNvPr id="3" name="タイトル 2"/>
-          <p:cNvSpPr>
-            <a:spLocks noGrp="1"/>
-          </p:cNvSpPr>
-          <p:nvPr>
-            <p:ph type="title"/>
-          </p:nvPr>
-        </p:nvSpPr>
-        <p:spPr/>
-        <p:txBody>
-          <a:bodyPr/>
-          <a:lstStyle/>
-          <a:p>
-            <a:r>
-              <a:rPr lang="ja-JP" altLang="en-US" dirty="0" smtClean="0"/>
-              <a:t>クラス図</a:t>
-            </a:r>
-            <a:r>
-              <a:rPr lang="en-US" altLang="ja-JP" dirty="0" smtClean="0"/>
-              <a:t>(1/2)</a:t>
+            <a:r>
+              <a:rPr lang="ja-JP" altLang="en-US" sz="4800" dirty="0" smtClean="0"/>
+              <a:t>プログラミング</a:t>
+            </a:r>
+            <a:r>
+              <a:rPr lang="ja-JP" altLang="en-US" sz="4800" dirty="0" smtClean="0"/>
+              <a:t>技術</a:t>
+            </a:r>
+            <a:r>
+              <a:rPr lang="en-US" altLang="ja-JP" sz="4800" dirty="0" smtClean="0"/>
+              <a:t>(2/3)</a:t>
             </a:r>
             <a:br>
-              <a:rPr lang="en-US" altLang="ja-JP" dirty="0" smtClean="0"/>
+              <a:rPr lang="en-US" altLang="ja-JP" sz="4800" dirty="0" smtClean="0"/>
             </a:br>
             <a:r>
               <a:rPr lang="ja-JP" altLang="en-US" sz="2400" dirty="0" smtClean="0"/>
-              <a:t>ゲーム管理</a:t>
+              <a:t>フォームアプリからの変更点</a:t>
             </a:r>
             <a:endParaRPr kumimoji="1" lang="ja-JP" altLang="en-US" sz="2400" dirty="0"/>
           </a:p>
         </p:txBody>
       </p:sp>
-      <p:pic>
-        <p:nvPicPr>
-          <p:cNvPr id="1027" name="Picture 3" descr="C:\Users\202004game\Desktop\UnityProject\Blackjack\out\plantuml\BlackjackAllclass\gameCore.png"/>
-          <p:cNvPicPr>
-            <a:picLocks noChangeAspect="1" noChangeArrowheads="1"/>
-          </p:cNvPicPr>
-          <p:nvPr/>
-        </p:nvPicPr>
-        <p:blipFill>
-          <a:blip r:embed="rId2">
-            <a:extLst>
-              <a:ext uri="{28A0092B-C50C-407E-A947-70E740481C1C}">
-                <a14:useLocalDpi xmlns:a14="http://schemas.microsoft.com/office/drawing/2010/main" val="0"/>
-              </a:ext>
-            </a:extLst>
-          </a:blip>
-          <a:srcRect/>
-          <a:stretch>
-            <a:fillRect/>
-          </a:stretch>
-        </p:blipFill>
-        <p:spPr bwMode="auto">
-          <a:xfrm>
-            <a:off x="0" y="1713561"/>
-            <a:ext cx="9144000" cy="5161563"/>
-          </a:xfrm>
-          <a:prstGeom prst="rect">
-            <a:avLst/>
-          </a:prstGeom>
-          <a:noFill/>
-          <a:extLst>
-            <a:ext uri="{909E8E84-426E-40DD-AFC4-6F175D3DCCD1}">
-              <a14:hiddenFill xmlns:a14="http://schemas.microsoft.com/office/drawing/2010/main">
-                <a:solidFill>
-                  <a:srgbClr val="FFFFFF"/>
-                </a:solidFill>
-              </a14:hiddenFill>
-            </a:ext>
-          </a:extLst>
-        </p:spPr>
-      </p:pic>
     </p:spTree>
     <p:extLst>
       <p:ext uri="{BB962C8B-B14F-4D97-AF65-F5344CB8AC3E}">
-        <p14:creationId xmlns:p14="http://schemas.microsoft.com/office/powerpoint/2010/main" val="85094855"/>
+        <p14:creationId xmlns:p14="http://schemas.microsoft.com/office/powerpoint/2010/main" val="3260380244"/>
       </p:ext>
     </p:extLst>
   </p:cSld>

--- a/BLACKJACK.pptx
+++ b/BLACKJACK.pptx
@@ -215,7 +215,7 @@
           <a:p>
             <a:fld id="{F761C6F4-A0F9-4422-9F56-FD6EDE7EE696}" type="datetimeFigureOut">
               <a:rPr kumimoji="1" lang="ja-JP" altLang="en-US" smtClean="0"/>
-              <a:t>2020/11/10</a:t>
+              <a:t>2020/11/11</a:t>
             </a:fld>
             <a:endParaRPr kumimoji="1" lang="ja-JP" altLang="en-US"/>
           </a:p>
@@ -772,7 +772,7 @@
           <a:p>
             <a:fld id="{F761C6F4-A0F9-4422-9F56-FD6EDE7EE696}" type="datetimeFigureOut">
               <a:rPr kumimoji="1" lang="ja-JP" altLang="en-US" smtClean="0"/>
-              <a:t>2020/11/10</a:t>
+              <a:t>2020/11/11</a:t>
             </a:fld>
             <a:endParaRPr kumimoji="1" lang="ja-JP" altLang="en-US"/>
           </a:p>
@@ -1118,7 +1118,7 @@
           <a:p>
             <a:fld id="{F761C6F4-A0F9-4422-9F56-FD6EDE7EE696}" type="datetimeFigureOut">
               <a:rPr kumimoji="1" lang="ja-JP" altLang="en-US" smtClean="0"/>
-              <a:t>2020/11/10</a:t>
+              <a:t>2020/11/11</a:t>
             </a:fld>
             <a:endParaRPr kumimoji="1" lang="ja-JP" altLang="en-US"/>
           </a:p>
@@ -1436,7 +1436,7 @@
           <a:p>
             <a:fld id="{F761C6F4-A0F9-4422-9F56-FD6EDE7EE696}" type="datetimeFigureOut">
               <a:rPr kumimoji="1" lang="ja-JP" altLang="en-US" smtClean="0"/>
-              <a:t>2020/11/10</a:t>
+              <a:t>2020/11/11</a:t>
             </a:fld>
             <a:endParaRPr kumimoji="1" lang="ja-JP" altLang="en-US"/>
           </a:p>
@@ -2011,7 +2011,7 @@
           <a:p>
             <a:fld id="{F761C6F4-A0F9-4422-9F56-FD6EDE7EE696}" type="datetimeFigureOut">
               <a:rPr kumimoji="1" lang="ja-JP" altLang="en-US" smtClean="0"/>
-              <a:t>2020/11/10</a:t>
+              <a:t>2020/11/11</a:t>
             </a:fld>
             <a:endParaRPr kumimoji="1" lang="ja-JP" altLang="en-US"/>
           </a:p>
@@ -2101,7 +2101,7 @@
           <a:p>
             <a:fld id="{F761C6F4-A0F9-4422-9F56-FD6EDE7EE696}" type="datetimeFigureOut">
               <a:rPr kumimoji="1" lang="ja-JP" altLang="en-US" smtClean="0"/>
-              <a:t>2020/11/10</a:t>
+              <a:t>2020/11/11</a:t>
             </a:fld>
             <a:endParaRPr kumimoji="1" lang="ja-JP" altLang="en-US"/>
           </a:p>
@@ -2938,7 +2938,7 @@
           <a:p>
             <a:fld id="{F761C6F4-A0F9-4422-9F56-FD6EDE7EE696}" type="datetimeFigureOut">
               <a:rPr kumimoji="1" lang="ja-JP" altLang="en-US" smtClean="0"/>
-              <a:t>2020/11/10</a:t>
+              <a:t>2020/11/11</a:t>
             </a:fld>
             <a:endParaRPr kumimoji="1" lang="ja-JP" altLang="en-US"/>
           </a:p>
@@ -3190,7 +3190,7 @@
           <a:p>
             <a:fld id="{F761C6F4-A0F9-4422-9F56-FD6EDE7EE696}" type="datetimeFigureOut">
               <a:rPr kumimoji="1" lang="ja-JP" altLang="en-US" smtClean="0"/>
-              <a:t>2020/11/10</a:t>
+              <a:t>2020/11/11</a:t>
             </a:fld>
             <a:endParaRPr kumimoji="1" lang="ja-JP" altLang="en-US"/>
           </a:p>
@@ -3419,7 +3419,7 @@
           <a:p>
             <a:fld id="{F761C6F4-A0F9-4422-9F56-FD6EDE7EE696}" type="datetimeFigureOut">
               <a:rPr kumimoji="1" lang="ja-JP" altLang="en-US" smtClean="0"/>
-              <a:t>2020/11/10</a:t>
+              <a:t>2020/11/11</a:t>
             </a:fld>
             <a:endParaRPr kumimoji="1" lang="ja-JP" altLang="en-US"/>
           </a:p>
@@ -3725,7 +3725,7 @@
           <a:p>
             <a:fld id="{F761C6F4-A0F9-4422-9F56-FD6EDE7EE696}" type="datetimeFigureOut">
               <a:rPr kumimoji="1" lang="ja-JP" altLang="en-US" smtClean="0"/>
-              <a:t>2020/11/10</a:t>
+              <a:t>2020/11/11</a:t>
             </a:fld>
             <a:endParaRPr kumimoji="1" lang="ja-JP" altLang="en-US"/>
           </a:p>
@@ -4011,7 +4011,7 @@
           <a:p>
             <a:fld id="{F761C6F4-A0F9-4422-9F56-FD6EDE7EE696}" type="datetimeFigureOut">
               <a:rPr kumimoji="1" lang="ja-JP" altLang="en-US" smtClean="0"/>
-              <a:t>2020/11/10</a:t>
+              <a:t>2020/11/11</a:t>
             </a:fld>
             <a:endParaRPr kumimoji="1" lang="ja-JP" altLang="en-US"/>
           </a:p>
@@ -4311,7 +4311,7 @@
           <a:p>
             <a:fld id="{F761C6F4-A0F9-4422-9F56-FD6EDE7EE696}" type="datetimeFigureOut">
               <a:rPr kumimoji="1" lang="ja-JP" altLang="en-US" smtClean="0"/>
-              <a:t>2020/11/10</a:t>
+              <a:t>2020/11/11</a:t>
             </a:fld>
             <a:endParaRPr kumimoji="1" lang="ja-JP" altLang="en-US"/>
           </a:p>
@@ -4926,7 +4926,15 @@
             </a:pPr>
             <a:r>
               <a:rPr lang="ja-JP" altLang="en-US" sz="1800" dirty="0" smtClean="0"/>
-              <a:t>　→　親クラスを作り、継承を用いてそれぞれで管理</a:t>
+              <a:t>　→　</a:t>
+            </a:r>
+            <a:r>
+              <a:rPr lang="ja-JP" altLang="en-US" sz="1800" dirty="0"/>
+              <a:t>基底</a:t>
+            </a:r>
+            <a:r>
+              <a:rPr lang="ja-JP" altLang="en-US" sz="1800" dirty="0" smtClean="0"/>
+              <a:t>クラスを作り、継承を用いてそれぞれで管理</a:t>
             </a:r>
             <a:endParaRPr lang="en-US" altLang="ja-JP" sz="1800" dirty="0" smtClean="0"/>
           </a:p>
@@ -4936,7 +4944,7 @@
           <a:p>
             <a:r>
               <a:rPr lang="ja-JP" altLang="en-US" sz="1800" dirty="0" smtClean="0"/>
-              <a:t>独自性</a:t>
+              <a:t>ゲームの独自性</a:t>
             </a:r>
             <a:endParaRPr kumimoji="1" lang="en-US" altLang="ja-JP" sz="1800" dirty="0" smtClean="0"/>
           </a:p>
@@ -5037,22 +5045,17 @@
               <a:t>　　</a:t>
             </a:r>
             <a:r>
-              <a:rPr kumimoji="1" lang="en-US" altLang="ja-JP" sz="1800" smtClean="0"/>
+              <a:rPr kumimoji="1" lang="en-US" altLang="ja-JP" sz="1800" dirty="0" smtClean="0"/>
               <a:t>(</a:t>
             </a:r>
             <a:r>
-              <a:rPr kumimoji="1" lang="ja-JP" altLang="en-US" sz="1800" smtClean="0"/>
-              <a:t>ハイリスクハイリターンな設定</a:t>
-            </a:r>
-            <a:r>
               <a:rPr kumimoji="1" lang="ja-JP" altLang="en-US" sz="1800" dirty="0" smtClean="0"/>
-              <a:t>に変化</a:t>
+              <a:t>ボーナスステージとしてハイリスクハイリターンな設定に変化</a:t>
             </a:r>
             <a:r>
               <a:rPr kumimoji="1" lang="en-US" altLang="ja-JP" sz="1800" dirty="0" smtClean="0"/>
               <a:t>)</a:t>
             </a:r>
-            <a:endParaRPr kumimoji="1" lang="en-US" altLang="ja-JP" sz="1800" dirty="0" smtClean="0"/>
           </a:p>
         </p:txBody>
       </p:sp>
@@ -5073,11 +5076,7 @@
           <a:p>
             <a:r>
               <a:rPr lang="ja-JP" altLang="en-US" sz="4800" dirty="0" smtClean="0"/>
-              <a:t>プログラミング</a:t>
-            </a:r>
-            <a:r>
-              <a:rPr lang="ja-JP" altLang="en-US" sz="4800" dirty="0" smtClean="0"/>
-              <a:t>技術</a:t>
+              <a:t>プログラミング技術</a:t>
             </a:r>
             <a:r>
               <a:rPr lang="en-US" altLang="ja-JP" sz="4800" dirty="0" smtClean="0"/>
@@ -5207,7 +5206,7 @@
         </p:blipFill>
         <p:spPr bwMode="auto">
           <a:xfrm>
-            <a:off x="0" y="1713561"/>
+            <a:off x="0" y="1692034"/>
             <a:ext cx="9144000" cy="5161563"/>
           </a:xfrm>
           <a:prstGeom prst="rect">
@@ -5225,6 +5224,80 @@
           </a:extLst>
         </p:spPr>
       </p:pic>
+      <p:sp>
+        <p:nvSpPr>
+          <p:cNvPr id="4" name="テキスト ボックス 3"/>
+          <p:cNvSpPr txBox="1"/>
+          <p:nvPr/>
+        </p:nvSpPr>
+        <p:spPr>
+          <a:xfrm>
+            <a:off x="6876256" y="2010156"/>
+            <a:ext cx="2160240" cy="1754326"/>
+          </a:xfrm>
+          <a:prstGeom prst="rect">
+            <a:avLst/>
+          </a:prstGeom>
+          <a:noFill/>
+        </p:spPr>
+        <p:txBody>
+          <a:bodyPr wrap="square" rtlCol="0">
+            <a:spAutoFit/>
+          </a:bodyPr>
+          <a:lstStyle/>
+          <a:p>
+            <a:r>
+              <a:rPr lang="ja-JP" altLang="en-US" dirty="0"/>
+              <a:t>イベントドリブン</a:t>
+            </a:r>
+            <a:r>
+              <a:rPr lang="ja-JP" altLang="en-US" dirty="0" smtClean="0"/>
+              <a:t>にする</a:t>
+            </a:r>
+            <a:r>
+              <a:rPr lang="ja-JP" altLang="en-US" dirty="0"/>
+              <a:t>こと</a:t>
+            </a:r>
+            <a:r>
+              <a:rPr lang="ja-JP" altLang="en-US" dirty="0" smtClean="0"/>
+              <a:t>、オブジェクト</a:t>
+            </a:r>
+            <a:r>
+              <a:rPr lang="ja-JP" altLang="en-US" dirty="0"/>
+              <a:t>指向を</a:t>
+            </a:r>
+          </a:p>
+          <a:p>
+            <a:r>
+              <a:rPr lang="ja-JP" altLang="en-US" dirty="0"/>
+              <a:t>取り入れることで</a:t>
+            </a:r>
+          </a:p>
+          <a:p>
+            <a:r>
+              <a:rPr lang="ja-JP" altLang="en-US" dirty="0"/>
+              <a:t>依存性を下げる</a:t>
+            </a:r>
+            <a:r>
+              <a:rPr lang="ja-JP" altLang="en-US" dirty="0" smtClean="0"/>
+              <a:t>よう配慮</a:t>
+            </a:r>
+            <a:r>
+              <a:rPr lang="ja-JP" altLang="en-US" dirty="0" smtClean="0"/>
+              <a:t>し</a:t>
+            </a:r>
+            <a:r>
+              <a:rPr lang="ja-JP" altLang="en-US" dirty="0"/>
+              <a:t>た</a:t>
+            </a:r>
+            <a:r>
+              <a:rPr lang="ja-JP" altLang="en-US" dirty="0" smtClean="0"/>
+              <a:t>。</a:t>
+            </a:r>
+            <a:endParaRPr lang="ja-JP" altLang="en-US" dirty="0"/>
+          </a:p>
+        </p:txBody>
+      </p:sp>
     </p:spTree>
     <p:extLst>
       <p:ext uri="{BB962C8B-B14F-4D97-AF65-F5344CB8AC3E}">
@@ -5360,6 +5433,50 @@
           </a:extLst>
         </p:spPr>
       </p:pic>
+      <p:sp>
+        <p:nvSpPr>
+          <p:cNvPr id="4" name="テキスト ボックス 3"/>
+          <p:cNvSpPr txBox="1"/>
+          <p:nvPr/>
+        </p:nvSpPr>
+        <p:spPr>
+          <a:xfrm>
+            <a:off x="467544" y="2996952"/>
+            <a:ext cx="3096344" cy="923330"/>
+          </a:xfrm>
+          <a:prstGeom prst="rect">
+            <a:avLst/>
+          </a:prstGeom>
+          <a:noFill/>
+        </p:spPr>
+        <p:txBody>
+          <a:bodyPr wrap="square" rtlCol="0">
+            <a:spAutoFit/>
+          </a:bodyPr>
+          <a:lstStyle/>
+          <a:p>
+            <a:r>
+              <a:rPr lang="ja-JP" altLang="en-US" dirty="0"/>
+              <a:t>継承を取り入れることでも</a:t>
+            </a:r>
+          </a:p>
+          <a:p>
+            <a:r>
+              <a:rPr lang="ja-JP" altLang="en-US" dirty="0"/>
+              <a:t>オブジェクト指向</a:t>
+            </a:r>
+            <a:r>
+              <a:rPr lang="ja-JP" altLang="en-US" dirty="0" smtClean="0"/>
+              <a:t>を</a:t>
+            </a:r>
+            <a:r>
+              <a:rPr lang="ja-JP" altLang="en-US" dirty="0" smtClean="0"/>
+              <a:t>意識してコードを書いた。</a:t>
+            </a:r>
+            <a:endParaRPr lang="ja-JP" altLang="en-US" dirty="0"/>
+          </a:p>
+        </p:txBody>
+      </p:sp>
     </p:spTree>
     <p:extLst>
       <p:ext uri="{BB962C8B-B14F-4D97-AF65-F5344CB8AC3E}">
@@ -5493,8 +5610,8 @@
           <a:lstStyle/>
           <a:p>
             <a:r>
-              <a:rPr lang="ja-JP" altLang="en-US" dirty="0"/>
-              <a:t>制作経緯</a:t>
+              <a:rPr lang="ja-JP" altLang="en-US" dirty="0" smtClean="0"/>
+              <a:t>制作過程</a:t>
             </a:r>
             <a:endParaRPr kumimoji="1" lang="ja-JP" altLang="en-US" dirty="0"/>
           </a:p>
@@ -5549,29 +5666,140 @@
         </p:nvSpPr>
         <p:spPr/>
         <p:txBody>
-          <a:bodyPr/>
+          <a:bodyPr>
+            <a:normAutofit lnSpcReduction="10000"/>
+          </a:bodyPr>
           <a:lstStyle/>
           <a:p>
             <a:r>
-              <a:rPr kumimoji="1" lang="ja-JP" altLang="en-US" dirty="0" smtClean="0"/>
-              <a:t>半年前はパソコンすらあまり触ったことが</a:t>
-            </a:r>
-            <a:r>
-              <a:rPr kumimoji="1" lang="ja-JP" altLang="en-US" dirty="0" smtClean="0"/>
-              <a:t>なかった状態から</a:t>
-            </a:r>
-            <a:r>
-              <a:rPr kumimoji="1" lang="en-US" altLang="ja-JP" dirty="0" smtClean="0"/>
-              <a:t>2</a:t>
-            </a:r>
-            <a:r>
-              <a:rPr kumimoji="1" lang="ja-JP" altLang="en-US" dirty="0" smtClean="0"/>
-              <a:t>か月弱勉強し、フォームアプリで</a:t>
-            </a:r>
-            <a:r>
-              <a:rPr lang="ja-JP" altLang="en-US" dirty="0" smtClean="0"/>
-              <a:t>ブラックジャックを作成することが出来ました。ただまとまりはなく、修正しようとすると様々な箇所を同時に修正しないといけないものでした。</a:t>
-            </a:r>
+              <a:rPr lang="ja-JP" altLang="en-US" dirty="0" smtClean="0"/>
+              <a:t>半年前まで、パソコンをあまり</a:t>
+            </a:r>
+            <a:r>
+              <a:rPr lang="ja-JP" altLang="en-US" dirty="0"/>
+              <a:t>触ったことが</a:t>
+            </a:r>
+            <a:r>
+              <a:rPr lang="ja-JP" altLang="en-US" dirty="0" smtClean="0"/>
+              <a:t>なかった。</a:t>
+            </a:r>
+            <a:endParaRPr lang="en-US" altLang="ja-JP" dirty="0" smtClean="0"/>
+          </a:p>
+          <a:p>
+            <a:r>
+              <a:rPr lang="ja-JP" altLang="en-US" dirty="0"/>
+              <a:t>二か月</a:t>
+            </a:r>
+            <a:r>
+              <a:rPr lang="ja-JP" altLang="en-US" dirty="0" smtClean="0"/>
+              <a:t>弱、</a:t>
+            </a:r>
+            <a:r>
+              <a:rPr lang="ja-JP" altLang="en-US" dirty="0"/>
+              <a:t>短期で集中して取り組むこと</a:t>
+            </a:r>
+            <a:r>
+              <a:rPr lang="ja-JP" altLang="en-US" dirty="0" smtClean="0"/>
+              <a:t>で、</a:t>
+            </a:r>
+            <a:r>
+              <a:rPr lang="ja-JP" altLang="en-US" dirty="0"/>
+              <a:t>フォーム</a:t>
+            </a:r>
+            <a:r>
+              <a:rPr lang="ja-JP" altLang="en-US" dirty="0" smtClean="0"/>
+              <a:t>アプリで</a:t>
+            </a:r>
+            <a:r>
+              <a:rPr lang="en-US" altLang="ja-JP" dirty="0"/>
+              <a:t>BLACKJACK</a:t>
+            </a:r>
+            <a:r>
+              <a:rPr lang="ja-JP" altLang="en-US" dirty="0" smtClean="0"/>
+              <a:t>を</a:t>
+            </a:r>
+            <a:r>
+              <a:rPr lang="ja-JP" altLang="en-US" dirty="0"/>
+              <a:t>作成</a:t>
+            </a:r>
+            <a:r>
+              <a:rPr lang="ja-JP" altLang="en-US" dirty="0" smtClean="0"/>
+              <a:t>する</a:t>
+            </a:r>
+            <a:r>
+              <a:rPr lang="ja-JP" altLang="en-US" dirty="0"/>
+              <a:t>ことが</a:t>
+            </a:r>
+            <a:r>
+              <a:rPr lang="ja-JP" altLang="en-US" dirty="0" smtClean="0"/>
+              <a:t>出来た。</a:t>
+            </a:r>
+            <a:endParaRPr lang="en-US" altLang="ja-JP" dirty="0" smtClean="0"/>
+          </a:p>
+          <a:p>
+            <a:r>
+              <a:rPr lang="ja-JP" altLang="en-US" dirty="0" smtClean="0"/>
+              <a:t>ただ、</a:t>
+            </a:r>
+            <a:r>
+              <a:rPr lang="ja-JP" altLang="en-US" dirty="0"/>
+              <a:t>コード</a:t>
+            </a:r>
+            <a:r>
+              <a:rPr lang="ja-JP" altLang="en-US" dirty="0" smtClean="0"/>
+              <a:t>にまとまりがなく、オープンクローズド原則に反したものだった。</a:t>
+            </a:r>
+            <a:endParaRPr lang="en-US" altLang="ja-JP" dirty="0" smtClean="0"/>
+          </a:p>
+          <a:p>
+            <a:r>
+              <a:rPr lang="ja-JP" altLang="en-US" dirty="0" smtClean="0"/>
+              <a:t>さらに二か月弱、集中して取り組み、</a:t>
+            </a:r>
+            <a:r>
+              <a:rPr lang="en-US" altLang="ja-JP" dirty="0" smtClean="0"/>
+              <a:t>Unity</a:t>
+            </a:r>
+            <a:r>
+              <a:rPr lang="ja-JP" altLang="en-US" dirty="0" err="1" smtClean="0"/>
+              <a:t>への</a:t>
+            </a:r>
+            <a:r>
+              <a:rPr lang="ja-JP" altLang="en-US" dirty="0" smtClean="0"/>
+              <a:t>移植をすることが出来た。</a:t>
+            </a:r>
+            <a:endParaRPr lang="en-US" altLang="ja-JP" dirty="0" smtClean="0"/>
+          </a:p>
+          <a:p>
+            <a:r>
+              <a:rPr lang="ja-JP" altLang="en-US" dirty="0"/>
+              <a:t>また</a:t>
+            </a:r>
+            <a:r>
+              <a:rPr lang="en-US" altLang="ja-JP" dirty="0"/>
+              <a:t>Unity</a:t>
+            </a:r>
+            <a:r>
+              <a:rPr lang="ja-JP" altLang="en-US" dirty="0"/>
+              <a:t>へ移植することで過去に書いたコードを見返し、自分の成長を大い</a:t>
+            </a:r>
+            <a:r>
+              <a:rPr lang="ja-JP" altLang="en-US"/>
+              <a:t>に</a:t>
+            </a:r>
+            <a:r>
+              <a:rPr lang="ja-JP" altLang="en-US" smtClean="0"/>
+              <a:t>感じることが出来た。</a:t>
+            </a:r>
+            <a:endParaRPr lang="en-US" altLang="ja-JP" dirty="0"/>
+          </a:p>
+          <a:p>
+            <a:endParaRPr lang="en-US" altLang="ja-JP" dirty="0" smtClean="0"/>
+          </a:p>
+          <a:p>
+            <a:endParaRPr lang="ja-JP" altLang="en-US" dirty="0"/>
+          </a:p>
+          <a:p>
             <a:endParaRPr kumimoji="1" lang="ja-JP" altLang="en-US" dirty="0"/>
           </a:p>
         </p:txBody>
@@ -5649,7 +5877,7 @@
         <p:spPr/>
         <p:txBody>
           <a:bodyPr>
-            <a:normAutofit lnSpcReduction="10000"/>
+            <a:normAutofit fontScale="85000" lnSpcReduction="20000"/>
           </a:bodyPr>
           <a:lstStyle/>
           <a:p>
@@ -5681,8 +5909,15 @@
           </a:p>
           <a:p>
             <a:r>
+              <a:rPr lang="ja-JP" altLang="en-US" dirty="0" smtClean="0"/>
+              <a:t>ゲーム画面</a:t>
+            </a:r>
+            <a:endParaRPr lang="en-US" altLang="ja-JP" dirty="0" smtClean="0"/>
+          </a:p>
+          <a:p>
+            <a:r>
               <a:rPr kumimoji="1" lang="ja-JP" altLang="en-US" dirty="0" smtClean="0"/>
-              <a:t>独自性（こだわり）</a:t>
+              <a:t>独自性</a:t>
             </a:r>
             <a:endParaRPr kumimoji="1" lang="en-US" altLang="ja-JP" dirty="0" smtClean="0"/>
           </a:p>
@@ -5693,13 +5928,32 @@
             </a:r>
             <a:r>
               <a:rPr lang="en-US" altLang="ja-JP" dirty="0" smtClean="0"/>
-              <a:t>(</a:t>
-            </a:r>
-            <a:r>
-              <a:rPr lang="ja-JP" altLang="en-US" dirty="0" smtClean="0"/>
-              <a:t>機能・デザイン）</a:t>
-            </a:r>
-            <a:endParaRPr lang="en-US" altLang="ja-JP" dirty="0" smtClean="0"/>
+              <a:t>(1/3)</a:t>
+            </a:r>
+          </a:p>
+          <a:p>
+            <a:r>
+              <a:rPr lang="ja-JP" altLang="en-US" dirty="0"/>
+              <a:t>プログラミング技術</a:t>
+            </a:r>
+            <a:r>
+              <a:rPr lang="en-US" altLang="ja-JP" dirty="0" smtClean="0"/>
+              <a:t>(2/3</a:t>
+            </a:r>
+            <a:r>
+              <a:rPr lang="en-US" altLang="ja-JP" dirty="0"/>
+              <a:t>)</a:t>
+            </a:r>
+          </a:p>
+          <a:p>
+            <a:r>
+              <a:rPr lang="ja-JP" altLang="en-US" dirty="0"/>
+              <a:t>プログラミング技術</a:t>
+            </a:r>
+            <a:r>
+              <a:rPr lang="en-US" altLang="ja-JP" dirty="0" smtClean="0"/>
+              <a:t>(3/3)</a:t>
+            </a:r>
           </a:p>
           <a:p>
             <a:r>
@@ -5724,15 +5978,11 @@
           <a:p>
             <a:r>
               <a:rPr kumimoji="1" lang="ja-JP" altLang="en-US" dirty="0" smtClean="0"/>
-              <a:t>制作経緯</a:t>
-            </a:r>
-            <a:r>
-              <a:rPr kumimoji="1" lang="en-US" altLang="ja-JP" dirty="0" smtClean="0"/>
-              <a:t>(</a:t>
-            </a:r>
-            <a:r>
-              <a:rPr kumimoji="1" lang="ja-JP" altLang="en-US" dirty="0" smtClean="0"/>
-              <a:t>開発スケジュール）</a:t>
+              <a:t>制作</a:t>
+            </a:r>
+            <a:r>
+              <a:rPr lang="ja-JP" altLang="en-US" dirty="0"/>
+              <a:t>過程</a:t>
             </a:r>
             <a:endParaRPr kumimoji="1" lang="en-US" altLang="ja-JP" dirty="0" smtClean="0"/>
           </a:p>
@@ -5824,13 +6074,9 @@
           <a:p>
             <a:r>
               <a:rPr lang="ja-JP" altLang="en-US" dirty="0" smtClean="0"/>
-              <a:t>自分</a:t>
-            </a:r>
-            <a:r>
-              <a:rPr lang="ja-JP" altLang="en-US" dirty="0"/>
-              <a:t>なりに吸収できたことを最大限表現できるポートフォリオとして作成する。</a:t>
-            </a:r>
-            <a:endParaRPr lang="en-US" altLang="ja-JP" dirty="0"/>
+              <a:t>自分なりに吸収できたことを最大限表現できるポートフォリオとして作成する。</a:t>
+            </a:r>
+            <a:endParaRPr lang="en-US" altLang="ja-JP" dirty="0" smtClean="0"/>
           </a:p>
           <a:p>
             <a:pPr marL="0" indent="0">
@@ -5855,7 +6101,11 @@
             </a:r>
             <a:r>
               <a:rPr lang="ja-JP" altLang="en-US" dirty="0" smtClean="0"/>
-              <a:t>さらに上記をもとに</a:t>
+              <a:t>上記</a:t>
+            </a:r>
+            <a:r>
+              <a:rPr lang="ja-JP" altLang="en-US" dirty="0" smtClean="0"/>
+              <a:t>をもとに</a:t>
             </a:r>
             <a:r>
               <a:rPr lang="en-US" altLang="ja-JP" dirty="0" smtClean="0"/>
@@ -5870,11 +6120,11 @@
               <a:t>BLACKJACK</a:t>
             </a:r>
             <a:r>
-              <a:rPr lang="ja-JP" altLang="en-US" dirty="0"/>
-              <a:t>を</a:t>
-            </a:r>
-            <a:r>
-              <a:rPr lang="en-US" altLang="ja-JP" dirty="0"/>
+              <a:rPr lang="ja-JP" altLang="en-US" dirty="0" smtClean="0"/>
+              <a:t>を、</a:t>
+            </a:r>
+            <a:r>
+              <a:rPr lang="en-US" altLang="ja-JP" dirty="0" smtClean="0"/>
               <a:t>Unity</a:t>
             </a:r>
             <a:r>
@@ -6000,7 +6250,11 @@
             </a:r>
             <a:r>
               <a:rPr lang="ja-JP" altLang="en-US" dirty="0" smtClean="0"/>
-              <a:t>近い数字にするかで勝敗が決まります。</a:t>
+              <a:t>近い数字にするかで勝敗が</a:t>
+            </a:r>
+            <a:r>
+              <a:rPr lang="ja-JP" altLang="en-US" dirty="0" smtClean="0"/>
+              <a:t>決まる。</a:t>
             </a:r>
             <a:endParaRPr lang="en-US" altLang="ja-JP" dirty="0" smtClean="0"/>
           </a:p>
@@ -6043,17 +6297,19 @@
             </a:r>
             <a:r>
               <a:rPr lang="ja-JP" altLang="en-US" dirty="0"/>
-              <a:t>として</a:t>
-            </a:r>
-            <a:endParaRPr lang="en-US" altLang="ja-JP" dirty="0"/>
-          </a:p>
-          <a:p>
-            <a:pPr marL="0" indent="0">
-              <a:buNone/>
-            </a:pPr>
+              <a:t>と</a:t>
+            </a:r>
+            <a:r>
+              <a:rPr lang="ja-JP" altLang="en-US" dirty="0" smtClean="0"/>
+              <a:t>して</a:t>
+            </a:r>
+            <a:r>
+              <a:rPr lang="ja-JP" altLang="en-US" dirty="0" smtClean="0"/>
+              <a:t>数え</a:t>
+            </a:r>
             <a:r>
               <a:rPr lang="ja-JP" altLang="en-US" dirty="0"/>
-              <a:t>　数えます</a:t>
+              <a:t>る</a:t>
             </a:r>
             <a:r>
               <a:rPr lang="ja-JP" altLang="en-US" dirty="0" smtClean="0"/>
@@ -6084,7 +6340,15 @@
             </a:r>
             <a:r>
               <a:rPr lang="ja-JP" altLang="en-US" dirty="0"/>
-              <a:t>枚のカードが配られます。その時点</a:t>
+              <a:t>枚のカードが</a:t>
+            </a:r>
+            <a:r>
+              <a:rPr lang="ja-JP" altLang="en-US" dirty="0" smtClean="0"/>
+              <a:t>配られる。その</a:t>
+            </a:r>
+            <a:r>
+              <a:rPr lang="ja-JP" altLang="en-US" dirty="0"/>
+              <a:t>時点</a:t>
             </a:r>
             <a:r>
               <a:rPr lang="ja-JP" altLang="en-US" dirty="0" smtClean="0"/>
@@ -6123,8 +6387,12 @@
               <a:t>)</a:t>
             </a:r>
             <a:r>
-              <a:rPr lang="ja-JP" altLang="en-US" dirty="0" smtClean="0"/>
-              <a:t>だと、一番</a:t>
+              <a:rPr lang="ja-JP" altLang="en-US" dirty="0"/>
+              <a:t>だと、</a:t>
+            </a:r>
+            <a:r>
+              <a:rPr lang="ja-JP" altLang="en-US" dirty="0" smtClean="0"/>
+              <a:t>一番</a:t>
             </a:r>
             <a:r>
               <a:rPr lang="ja-JP" altLang="en-US" dirty="0"/>
@@ -6135,12 +6403,8 @@
               <a:t>BLACKJACK)</a:t>
             </a:r>
             <a:r>
-              <a:rPr lang="ja-JP" altLang="en-US" dirty="0"/>
-              <a:t>となります</a:t>
-            </a:r>
-            <a:r>
-              <a:rPr lang="ja-JP" altLang="en-US" dirty="0" smtClean="0"/>
-              <a:t>。</a:t>
+              <a:rPr lang="ja-JP" altLang="en-US" dirty="0" smtClean="0"/>
+              <a:t>となる。</a:t>
             </a:r>
             <a:endParaRPr lang="en-US" altLang="ja-JP" dirty="0" smtClean="0"/>
           </a:p>
@@ -6318,7 +6582,7 @@
         <p:spPr/>
         <p:txBody>
           <a:bodyPr>
-            <a:normAutofit fontScale="92500"/>
+            <a:normAutofit/>
           </a:bodyPr>
           <a:lstStyle/>
           <a:p>
@@ -6446,21 +6710,15 @@
             </a:r>
             <a:r>
               <a:rPr lang="ja-JP" altLang="en-US" dirty="0" smtClean="0"/>
-              <a:t>額を倍にして、カードを一枚引</a:t>
-            </a:r>
-            <a:endParaRPr lang="en-US" altLang="ja-JP" dirty="0" smtClean="0"/>
-          </a:p>
-          <a:p>
-            <a:pPr marL="0" indent="0">
-              <a:buNone/>
-            </a:pPr>
+              <a:t>額を倍にして、カードを</a:t>
+            </a:r>
             <a:r>
               <a:rPr lang="ja-JP" altLang="en-US" dirty="0"/>
-              <a:t>　</a:t>
-            </a:r>
-            <a:r>
-              <a:rPr lang="ja-JP" altLang="en-US" dirty="0" smtClean="0"/>
-              <a:t>　いて、自分のターンを</a:t>
+              <a:t>一枚</a:t>
+            </a:r>
+            <a:r>
+              <a:rPr lang="ja-JP" altLang="en-US" dirty="0" smtClean="0"/>
+              <a:t>引いて、自分のターンを</a:t>
             </a:r>
             <a:r>
               <a:rPr lang="ja-JP" altLang="en-US" dirty="0"/>
@@ -6863,7 +7121,15 @@
             </a:r>
             <a:r>
               <a:rPr lang="ja-JP" altLang="en-US" dirty="0"/>
-              <a:t>額に変わる、よりハイリスクハイリターンな設定を楽しめるようにしました</a:t>
+              <a:t>額に変わる、よりハイリスクハイリターンな</a:t>
+            </a:r>
+            <a:r>
+              <a:rPr lang="ja-JP" altLang="en-US" dirty="0" smtClean="0"/>
+              <a:t>設定</a:t>
+            </a:r>
+            <a:r>
+              <a:rPr lang="ja-JP" altLang="en-US" dirty="0" smtClean="0"/>
+              <a:t>に変化</a:t>
             </a:r>
             <a:r>
               <a:rPr lang="ja-JP" altLang="en-US" dirty="0" smtClean="0"/>
@@ -6894,7 +7160,15 @@
             </a:r>
             <a:r>
               <a:rPr kumimoji="1" lang="ja-JP" altLang="en-US" dirty="0" smtClean="0"/>
-              <a:t>の管理を、ブラックジャック以外のトランゲームでも使用できるように作成し、汎用性を持たせました。</a:t>
+              <a:t>の管理を、ブラックジャック以外のトランプゲームでも使用できるように作成し、汎用性</a:t>
+            </a:r>
+            <a:r>
+              <a:rPr kumimoji="1" lang="ja-JP" altLang="en-US" dirty="0" smtClean="0"/>
+              <a:t>を</a:t>
+            </a:r>
+            <a:r>
+              <a:rPr lang="ja-JP" altLang="en-US" dirty="0" smtClean="0"/>
+              <a:t>持たせた。</a:t>
             </a:r>
             <a:endParaRPr kumimoji="1" lang="ja-JP" altLang="en-US" dirty="0"/>
           </a:p>
@@ -6983,19 +7257,15 @@
             </a:r>
             <a:r>
               <a:rPr lang="ja-JP" altLang="en-US" dirty="0" smtClean="0"/>
-              <a:t>管理、プレイヤー、ディーラーの行動の管理をクラス、継承を</a:t>
-            </a:r>
-            <a:r>
-              <a:rPr lang="ja-JP" altLang="en-US" dirty="0" smtClean="0"/>
-              <a:t>用いて</a:t>
+              <a:t>管理、プレイヤー、ディーラーの行動の管理をクラス、継承を用いて</a:t>
             </a:r>
             <a:r>
               <a:rPr lang="ja-JP" altLang="en-US" dirty="0"/>
-              <a:t>オブジェクト指向で設計</a:t>
-            </a:r>
-            <a:r>
-              <a:rPr lang="ja-JP" altLang="en-US" dirty="0" smtClean="0"/>
-              <a:t>しました。</a:t>
+              <a:t>オブジェクト指向で</a:t>
+            </a:r>
+            <a:r>
+              <a:rPr lang="ja-JP" altLang="en-US" dirty="0" smtClean="0"/>
+              <a:t>設計。</a:t>
             </a:r>
             <a:endParaRPr lang="en-US" altLang="ja-JP" dirty="0" smtClean="0"/>
           </a:p>
@@ -7005,11 +7275,7 @@
           <a:p>
             <a:r>
               <a:rPr kumimoji="1" lang="ja-JP" altLang="en-US" dirty="0" smtClean="0"/>
-              <a:t>勝敗の管理と、ノーマルステージ、ボーナスステージの管理</a:t>
-            </a:r>
-            <a:r>
-              <a:rPr kumimoji="1" lang="ja-JP" altLang="en-US" dirty="0" smtClean="0"/>
-              <a:t>を</a:t>
+              <a:t>勝敗の管理と、ノーマルステージ、ボーナスステージの管理を</a:t>
             </a:r>
             <a:r>
               <a:rPr lang="ja-JP" altLang="en-US" dirty="0" smtClean="0"/>
@@ -7017,11 +7283,11 @@
             </a:r>
             <a:r>
               <a:rPr lang="ja-JP" altLang="en-US" dirty="0"/>
-              <a:t>を使うことで、コードを見易く</a:t>
-            </a:r>
-            <a:r>
-              <a:rPr lang="ja-JP" altLang="en-US" dirty="0" smtClean="0"/>
-              <a:t>しました。</a:t>
+              <a:t>を使うことで、コードを見易</a:t>
+            </a:r>
+            <a:r>
+              <a:rPr lang="ja-JP" altLang="en-US" dirty="0" smtClean="0"/>
+              <a:t>くした。</a:t>
             </a:r>
             <a:endParaRPr kumimoji="1" lang="en-US" altLang="ja-JP" dirty="0" smtClean="0"/>
           </a:p>
@@ -7050,11 +7316,7 @@
           <a:p>
             <a:r>
               <a:rPr lang="ja-JP" altLang="en-US" sz="4800" dirty="0" smtClean="0"/>
-              <a:t>プログラミング</a:t>
-            </a:r>
-            <a:r>
-              <a:rPr lang="ja-JP" altLang="en-US" sz="4800" dirty="0" smtClean="0"/>
-              <a:t>技術</a:t>
+              <a:t>プログラミング技術</a:t>
             </a:r>
             <a:r>
               <a:rPr lang="en-US" altLang="ja-JP" sz="4800" dirty="0" smtClean="0"/>
@@ -7065,11 +7327,7 @@
             </a:br>
             <a:r>
               <a:rPr lang="ja-JP" altLang="en-US" sz="2400" dirty="0" smtClean="0"/>
-              <a:t>プログラミングに</a:t>
-            </a:r>
-            <a:r>
-              <a:rPr lang="ja-JP" altLang="en-US" sz="2400" dirty="0" smtClean="0"/>
-              <a:t>用いた手法等</a:t>
+              <a:t>プログラミングに用いた手法等</a:t>
             </a:r>
             <a:endParaRPr kumimoji="1" lang="ja-JP" altLang="en-US" sz="2400" dirty="0"/>
           </a:p>
@@ -7192,7 +7450,6 @@
               <a:rPr lang="en-US" altLang="ja-JP" dirty="0" smtClean="0"/>
               <a:t>)</a:t>
             </a:r>
-            <a:endParaRPr lang="en-US" altLang="ja-JP" dirty="0" smtClean="0"/>
           </a:p>
           <a:p>
             <a:endParaRPr kumimoji="1" lang="en-US" altLang="ja-JP" dirty="0" smtClean="0"/>
@@ -7220,7 +7477,7 @@
             </a:pPr>
             <a:r>
               <a:rPr lang="ja-JP" altLang="en-US" dirty="0" smtClean="0"/>
-              <a:t>　→　</a:t>
+              <a:t>　→　一つの</a:t>
             </a:r>
             <a:r>
               <a:rPr lang="en-US" altLang="ja-JP" dirty="0" smtClean="0"/>
@@ -7274,11 +7531,7 @@
           <a:p>
             <a:r>
               <a:rPr lang="ja-JP" altLang="en-US" sz="4800" dirty="0" smtClean="0"/>
-              <a:t>プログラミング</a:t>
-            </a:r>
-            <a:r>
-              <a:rPr lang="ja-JP" altLang="en-US" sz="4800" dirty="0" smtClean="0"/>
-              <a:t>技術</a:t>
+              <a:t>プログラミング技術</a:t>
             </a:r>
             <a:r>
               <a:rPr lang="en-US" altLang="ja-JP" sz="4800" dirty="0" smtClean="0"/>

--- a/BLACKJACK.pptx
+++ b/BLACKJACK.pptx
@@ -4887,74 +4887,25 @@
           <a:p>
             <a:r>
               <a:rPr lang="ja-JP" altLang="en-US" sz="1800" dirty="0" smtClean="0"/>
-              <a:t>プレイヤー、ディーラーの管理</a:t>
-            </a:r>
-            <a:endParaRPr lang="en-US" altLang="ja-JP" sz="1800" dirty="0" smtClean="0"/>
+              <a:t>ゲームの独自性の変更点</a:t>
+            </a:r>
+            <a:endParaRPr kumimoji="1" lang="en-US" altLang="ja-JP" sz="1800" dirty="0" smtClean="0"/>
           </a:p>
           <a:p>
             <a:pPr marL="0" indent="0">
               <a:buNone/>
             </a:pPr>
             <a:r>
-              <a:rPr lang="ja-JP" altLang="en-US" sz="1800" dirty="0" smtClean="0"/>
-              <a:t>フォームアプリ</a:t>
-            </a:r>
-            <a:endParaRPr lang="en-US" altLang="ja-JP" sz="1800" dirty="0" smtClean="0"/>
-          </a:p>
-          <a:p>
-            <a:pPr marL="0" indent="0">
-              <a:buNone/>
-            </a:pPr>
-            <a:r>
-              <a:rPr lang="ja-JP" altLang="en-US" sz="1800" dirty="0" smtClean="0"/>
-              <a:t>　→　変数のみ全てを管理</a:t>
-            </a:r>
-            <a:endParaRPr lang="en-US" altLang="ja-JP" sz="1800" dirty="0" smtClean="0"/>
-          </a:p>
-          <a:p>
-            <a:pPr marL="0" indent="0">
-              <a:buNone/>
-            </a:pPr>
-            <a:r>
-              <a:rPr lang="en-US" altLang="ja-JP" sz="1800" dirty="0" smtClean="0"/>
-              <a:t>Unity</a:t>
-            </a:r>
-          </a:p>
-          <a:p>
-            <a:pPr marL="0" indent="0">
-              <a:buNone/>
-            </a:pPr>
-            <a:r>
-              <a:rPr lang="ja-JP" altLang="en-US" sz="1800" dirty="0" smtClean="0"/>
-              <a:t>　→　</a:t>
-            </a:r>
-            <a:r>
               <a:rPr lang="ja-JP" altLang="en-US" sz="1800" dirty="0"/>
-              <a:t>基底</a:t>
-            </a:r>
-            <a:r>
-              <a:rPr lang="ja-JP" altLang="en-US" sz="1800" dirty="0" smtClean="0"/>
-              <a:t>クラスを作り、継承を用いてそれぞれで管理</a:t>
-            </a:r>
-            <a:endParaRPr lang="en-US" altLang="ja-JP" sz="1800" dirty="0" smtClean="0"/>
-          </a:p>
-          <a:p>
-            <a:endParaRPr kumimoji="1" lang="en-US" altLang="ja-JP" sz="1800" dirty="0" smtClean="0"/>
-          </a:p>
-          <a:p>
-            <a:r>
-              <a:rPr lang="ja-JP" altLang="en-US" sz="1800" dirty="0" smtClean="0"/>
-              <a:t>ゲームの独自性</a:t>
-            </a:r>
-            <a:endParaRPr kumimoji="1" lang="en-US" altLang="ja-JP" sz="1800" dirty="0" smtClean="0"/>
-          </a:p>
-          <a:p>
-            <a:pPr marL="0" indent="0">
-              <a:buNone/>
-            </a:pPr>
-            <a:r>
-              <a:rPr lang="ja-JP" altLang="en-US" sz="1800" dirty="0" smtClean="0"/>
-              <a:t>フォームアプリ</a:t>
+              <a:t>・</a:t>
+            </a:r>
+            <a:r>
+              <a:rPr lang="en-US" altLang="ja-JP" sz="1800" dirty="0"/>
+              <a:t>Windows</a:t>
+            </a:r>
+            <a:r>
+              <a:rPr lang="ja-JP" altLang="en-US" sz="1800" dirty="0"/>
+              <a:t>アプリとして制作時</a:t>
             </a:r>
             <a:endParaRPr lang="en-US" altLang="ja-JP" sz="1800" dirty="0" smtClean="0"/>
           </a:p>
@@ -5000,15 +4951,33 @@
               <a:rPr lang="en-US" altLang="ja-JP" sz="1800" dirty="0" smtClean="0"/>
               <a:t>)</a:t>
             </a:r>
+            <a:r>
+              <a:rPr lang="ja-JP" altLang="en-US" sz="1800" dirty="0"/>
+              <a:t> </a:t>
+            </a:r>
+            <a:endParaRPr lang="en-US" altLang="ja-JP" sz="1800" dirty="0" smtClean="0"/>
           </a:p>
           <a:p>
             <a:pPr marL="0" indent="0">
               <a:buNone/>
             </a:pPr>
             <a:r>
-              <a:rPr kumimoji="1" lang="en-US" altLang="ja-JP" sz="1800" dirty="0" smtClean="0"/>
+              <a:rPr lang="ja-JP" altLang="en-US" sz="1800" dirty="0" smtClean="0"/>
+              <a:t>・</a:t>
+            </a:r>
+            <a:r>
+              <a:rPr lang="en-US" altLang="ja-JP" sz="1800" dirty="0"/>
               <a:t>Unity</a:t>
             </a:r>
+            <a:r>
+              <a:rPr lang="ja-JP" altLang="en-US" sz="1800" dirty="0" err="1"/>
+              <a:t>への</a:t>
+            </a:r>
+            <a:r>
+              <a:rPr lang="ja-JP" altLang="en-US" sz="1800" dirty="0"/>
+              <a:t>移植時</a:t>
+            </a:r>
+            <a:endParaRPr kumimoji="1" lang="en-US" altLang="ja-JP" sz="1800" dirty="0" smtClean="0"/>
           </a:p>
           <a:p>
             <a:pPr marL="0" indent="0">
@@ -5086,10 +5055,34 @@
               <a:rPr lang="en-US" altLang="ja-JP" sz="4800" dirty="0" smtClean="0"/>
             </a:br>
             <a:r>
-              <a:rPr lang="ja-JP" altLang="en-US" sz="2400" dirty="0" smtClean="0"/>
-              <a:t>フォームアプリからの変更点</a:t>
-            </a:r>
-            <a:endParaRPr kumimoji="1" lang="ja-JP" altLang="en-US" sz="2400" dirty="0"/>
+              <a:rPr lang="ja-JP" altLang="en-US" sz="2000" dirty="0"/>
+              <a:t>初期制作の</a:t>
+            </a:r>
+            <a:r>
+              <a:rPr lang="en-US" altLang="ja-JP" sz="2000" dirty="0"/>
+              <a:t>Windows</a:t>
+            </a:r>
+            <a:r>
+              <a:rPr lang="ja-JP" altLang="en-US" sz="2000" dirty="0"/>
+              <a:t>アプリから</a:t>
+            </a:r>
+            <a:r>
+              <a:rPr lang="en-US" altLang="ja-JP" sz="2000" dirty="0"/>
+              <a:t>Unity</a:t>
+            </a:r>
+            <a:r>
+              <a:rPr lang="ja-JP" altLang="en-US" sz="2000" dirty="0" err="1"/>
+              <a:t>への</a:t>
+            </a:r>
+            <a:r>
+              <a:rPr lang="ja-JP" altLang="en-US" sz="2000" dirty="0"/>
+              <a:t>移植時</a:t>
+            </a:r>
+            <a:r>
+              <a:rPr lang="ja-JP" altLang="en-US" sz="2000" dirty="0" smtClean="0"/>
+              <a:t>の変更点</a:t>
+            </a:r>
+            <a:endParaRPr kumimoji="1" lang="ja-JP" altLang="en-US" sz="2000" dirty="0"/>
           </a:p>
         </p:txBody>
       </p:sp>
@@ -5280,11 +5273,7 @@
             </a:r>
             <a:r>
               <a:rPr lang="ja-JP" altLang="en-US" dirty="0" smtClean="0"/>
-              <a:t>よう配慮</a:t>
-            </a:r>
-            <a:r>
-              <a:rPr lang="ja-JP" altLang="en-US" dirty="0" smtClean="0"/>
-              <a:t>し</a:t>
+              <a:t>よう配慮し</a:t>
             </a:r>
             <a:r>
               <a:rPr lang="ja-JP" altLang="en-US" dirty="0"/>
@@ -5467,11 +5456,7 @@
             </a:r>
             <a:r>
               <a:rPr lang="ja-JP" altLang="en-US" dirty="0" smtClean="0"/>
-              <a:t>を</a:t>
-            </a:r>
-            <a:r>
-              <a:rPr lang="ja-JP" altLang="en-US" dirty="0" smtClean="0"/>
-              <a:t>意識してコードを書いた。</a:t>
+              <a:t>を意識してコードを書いた。</a:t>
             </a:r>
             <a:endParaRPr lang="ja-JP" altLang="en-US" dirty="0"/>
           </a:p>
@@ -5673,73 +5658,34 @@
           <a:p>
             <a:r>
               <a:rPr lang="ja-JP" altLang="en-US" dirty="0" smtClean="0"/>
-              <a:t>半年前まで、パソコンをあまり</a:t>
+              <a:t>半年前まではパソコンにあまり触れる機会もないくらいだったが、二か月弱</a:t>
             </a:r>
             <a:r>
               <a:rPr lang="ja-JP" altLang="en-US" dirty="0"/>
-              <a:t>触ったことが</a:t>
-            </a:r>
-            <a:r>
-              <a:rPr lang="ja-JP" altLang="en-US" dirty="0" smtClean="0"/>
-              <a:t>なかった。</a:t>
-            </a:r>
-            <a:endParaRPr lang="en-US" altLang="ja-JP" dirty="0" smtClean="0"/>
-          </a:p>
-          <a:p>
-            <a:r>
-              <a:rPr lang="ja-JP" altLang="en-US" dirty="0"/>
-              <a:t>二か月</a:t>
-            </a:r>
-            <a:r>
-              <a:rPr lang="ja-JP" altLang="en-US" dirty="0" smtClean="0"/>
-              <a:t>弱、</a:t>
-            </a:r>
-            <a:r>
-              <a:rPr lang="ja-JP" altLang="en-US" dirty="0"/>
-              <a:t>短期で集中して取り組むこと</a:t>
-            </a:r>
-            <a:r>
-              <a:rPr lang="ja-JP" altLang="en-US" dirty="0" smtClean="0"/>
-              <a:t>で、</a:t>
-            </a:r>
-            <a:r>
-              <a:rPr lang="ja-JP" altLang="en-US" dirty="0"/>
-              <a:t>フォーム</a:t>
-            </a:r>
-            <a:r>
-              <a:rPr lang="ja-JP" altLang="en-US" dirty="0" smtClean="0"/>
-              <a:t>アプリで</a:t>
+              <a:t>、短期で集中して取り組むことで、フォームアプリで</a:t>
             </a:r>
             <a:r>
               <a:rPr lang="en-US" altLang="ja-JP" dirty="0"/>
               <a:t>BLACKJACK</a:t>
             </a:r>
             <a:r>
-              <a:rPr lang="ja-JP" altLang="en-US" dirty="0" smtClean="0"/>
-              <a:t>を</a:t>
-            </a:r>
-            <a:r>
               <a:rPr lang="ja-JP" altLang="en-US" dirty="0"/>
-              <a:t>作成</a:t>
-            </a:r>
-            <a:r>
-              <a:rPr lang="ja-JP" altLang="en-US" dirty="0" smtClean="0"/>
-              <a:t>する</a:t>
-            </a:r>
-            <a:r>
-              <a:rPr lang="ja-JP" altLang="en-US" dirty="0"/>
-              <a:t>ことが</a:t>
-            </a:r>
-            <a:r>
-              <a:rPr lang="ja-JP" altLang="en-US" dirty="0" smtClean="0"/>
-              <a:t>出来た。</a:t>
+              <a:t>を作成することが出来た</a:t>
+            </a:r>
+            <a:r>
+              <a:rPr lang="ja-JP" altLang="en-US" dirty="0" smtClean="0"/>
+              <a:t>。</a:t>
             </a:r>
             <a:endParaRPr lang="en-US" altLang="ja-JP" dirty="0" smtClean="0"/>
           </a:p>
           <a:p>
             <a:r>
               <a:rPr lang="ja-JP" altLang="en-US" dirty="0" smtClean="0"/>
-              <a:t>ただ、</a:t>
+              <a:t>ただ</a:t>
+            </a:r>
+            <a:r>
+              <a:rPr lang="ja-JP" altLang="en-US" dirty="0" smtClean="0"/>
+              <a:t>、</a:t>
             </a:r>
             <a:r>
               <a:rPr lang="ja-JP" altLang="en-US" dirty="0"/>
@@ -5747,7 +5693,19 @@
             </a:r>
             <a:r>
               <a:rPr lang="ja-JP" altLang="en-US" dirty="0" smtClean="0"/>
-              <a:t>にまとまりがなく、オープンクローズド原則に反したものだった。</a:t>
+              <a:t>にまとまりがなく、オープンクローズド原則</a:t>
+            </a:r>
+            <a:r>
+              <a:rPr lang="ja-JP" altLang="en-US" dirty="0" smtClean="0"/>
+              <a:t>に</a:t>
+            </a:r>
+            <a:r>
+              <a:rPr lang="ja-JP" altLang="en-US" dirty="0" smtClean="0"/>
+              <a:t>も反しているものだった</a:t>
+            </a:r>
+            <a:r>
+              <a:rPr lang="ja-JP" altLang="en-US" dirty="0" smtClean="0"/>
+              <a:t>。</a:t>
             </a:r>
             <a:endParaRPr lang="en-US" altLang="ja-JP" dirty="0" smtClean="0"/>
           </a:p>
@@ -5781,14 +5739,10 @@
             </a:r>
             <a:r>
               <a:rPr lang="ja-JP" altLang="en-US" dirty="0"/>
-              <a:t>へ移植することで過去に書いたコードを見返し、自分の成長を大い</a:t>
-            </a:r>
-            <a:r>
-              <a:rPr lang="ja-JP" altLang="en-US"/>
-              <a:t>に</a:t>
-            </a:r>
-            <a:r>
-              <a:rPr lang="ja-JP" altLang="en-US" smtClean="0"/>
+              <a:t>へ移植することで過去に書いたコードを見返し、自分の成長を大いに</a:t>
+            </a:r>
+            <a:r>
+              <a:rPr lang="ja-JP" altLang="en-US" dirty="0" smtClean="0"/>
               <a:t>感じることが出来た。</a:t>
             </a:r>
             <a:endParaRPr lang="en-US" altLang="ja-JP" dirty="0"/>
@@ -6074,7 +6028,15 @@
           <a:p>
             <a:r>
               <a:rPr lang="ja-JP" altLang="en-US" dirty="0" smtClean="0"/>
-              <a:t>自分なりに吸収できたことを最大限表現できるポートフォリオとして作成する。</a:t>
+              <a:t>自分なりに吸収できた</a:t>
+            </a:r>
+            <a:r>
+              <a:rPr lang="ja-JP" altLang="en-US" smtClean="0"/>
+              <a:t>ことを表現</a:t>
+            </a:r>
+            <a:r>
+              <a:rPr lang="ja-JP" altLang="en-US" dirty="0" smtClean="0"/>
+              <a:t>できるポートフォリオとして作成する。</a:t>
             </a:r>
             <a:endParaRPr lang="en-US" altLang="ja-JP" dirty="0" smtClean="0"/>
           </a:p>
@@ -6101,22 +6063,26 @@
             </a:r>
             <a:r>
               <a:rPr lang="ja-JP" altLang="en-US" dirty="0" smtClean="0"/>
-              <a:t>上記</a:t>
-            </a:r>
-            <a:r>
-              <a:rPr lang="ja-JP" altLang="en-US" dirty="0" smtClean="0"/>
-              <a:t>をもとに</a:t>
+              <a:t>上記をもとに</a:t>
             </a:r>
             <a:r>
               <a:rPr lang="en-US" altLang="ja-JP" dirty="0" smtClean="0"/>
               <a:t>Windows</a:t>
             </a:r>
             <a:r>
+              <a:rPr lang="ja-JP" altLang="en-US" dirty="0" smtClean="0"/>
+              <a:t>フォームアプリ</a:t>
+            </a:r>
+            <a:r>
               <a:rPr lang="ja-JP" altLang="en-US" dirty="0"/>
-              <a:t>フォームアプリで制作した</a:t>
-            </a:r>
-            <a:r>
-              <a:rPr lang="en-US" altLang="ja-JP" dirty="0"/>
+              <a:t>で制作</a:t>
+            </a:r>
+            <a:r>
+              <a:rPr lang="ja-JP" altLang="en-US" dirty="0" smtClean="0"/>
+              <a:t>した</a:t>
+            </a:r>
+            <a:r>
+              <a:rPr lang="en-US" altLang="ja-JP" dirty="0" smtClean="0"/>
               <a:t>BLACKJACK</a:t>
             </a:r>
             <a:r>
@@ -6250,11 +6216,7 @@
             </a:r>
             <a:r>
               <a:rPr lang="ja-JP" altLang="en-US" dirty="0" smtClean="0"/>
-              <a:t>近い数字にするかで勝敗が</a:t>
-            </a:r>
-            <a:r>
-              <a:rPr lang="ja-JP" altLang="en-US" dirty="0" smtClean="0"/>
-              <a:t>決まる。</a:t>
+              <a:t>近い数字にするかで勝敗が決まる。</a:t>
             </a:r>
             <a:endParaRPr lang="en-US" altLang="ja-JP" dirty="0" smtClean="0"/>
           </a:p>
@@ -6301,11 +6263,7 @@
             </a:r>
             <a:r>
               <a:rPr lang="ja-JP" altLang="en-US" dirty="0" smtClean="0"/>
-              <a:t>して</a:t>
-            </a:r>
-            <a:r>
-              <a:rPr lang="ja-JP" altLang="en-US" dirty="0" smtClean="0"/>
-              <a:t>数え</a:t>
+              <a:t>して数え</a:t>
             </a:r>
             <a:r>
               <a:rPr lang="ja-JP" altLang="en-US" dirty="0"/>
@@ -7125,15 +7083,7 @@
             </a:r>
             <a:r>
               <a:rPr lang="ja-JP" altLang="en-US" dirty="0" smtClean="0"/>
-              <a:t>設定</a:t>
-            </a:r>
-            <a:r>
-              <a:rPr lang="ja-JP" altLang="en-US" dirty="0" smtClean="0"/>
-              <a:t>に変化</a:t>
-            </a:r>
-            <a:r>
-              <a:rPr lang="ja-JP" altLang="en-US" dirty="0" smtClean="0"/>
-              <a:t>。</a:t>
+              <a:t>設定に変化。</a:t>
             </a:r>
             <a:endParaRPr lang="en-US" altLang="ja-JP" dirty="0" smtClean="0"/>
           </a:p>
@@ -7160,11 +7110,7 @@
             </a:r>
             <a:r>
               <a:rPr kumimoji="1" lang="ja-JP" altLang="en-US" dirty="0" smtClean="0"/>
-              <a:t>の管理を、ブラックジャック以外のトランプゲームでも使用できるように作成し、汎用性</a:t>
-            </a:r>
-            <a:r>
-              <a:rPr kumimoji="1" lang="ja-JP" altLang="en-US" dirty="0" smtClean="0"/>
-              <a:t>を</a:t>
+              <a:t>の管理を、ブラックジャック以外のトランプゲームでも使用できるように作成し、汎用性を</a:t>
             </a:r>
             <a:r>
               <a:rPr lang="ja-JP" altLang="en-US" dirty="0" smtClean="0"/>
@@ -7383,134 +7329,238 @@
         <p:spPr/>
         <p:txBody>
           <a:bodyPr>
-            <a:normAutofit fontScale="92500" lnSpcReduction="20000"/>
+            <a:noAutofit/>
           </a:bodyPr>
           <a:lstStyle/>
           <a:p>
             <a:r>
-              <a:rPr lang="ja-JP" altLang="en-US" dirty="0"/>
-              <a:t>トランプの</a:t>
-            </a:r>
-            <a:r>
-              <a:rPr lang="ja-JP" altLang="en-US" dirty="0" smtClean="0"/>
-              <a:t>管理</a:t>
-            </a:r>
-            <a:endParaRPr lang="en-US" altLang="ja-JP" dirty="0" smtClean="0"/>
+              <a:rPr lang="ja-JP" altLang="en-US" sz="1800" dirty="0"/>
+              <a:t>トランプ</a:t>
+            </a:r>
+            <a:r>
+              <a:rPr lang="ja-JP" altLang="en-US" sz="1800" dirty="0" smtClean="0"/>
+              <a:t>の管理方法の改善点</a:t>
+            </a:r>
+            <a:endParaRPr lang="en-US" altLang="ja-JP" sz="1800" dirty="0" smtClean="0"/>
           </a:p>
           <a:p>
             <a:pPr marL="0" indent="0">
               <a:buNone/>
             </a:pPr>
             <a:r>
-              <a:rPr lang="ja-JP" altLang="en-US" dirty="0" smtClean="0"/>
-              <a:t>フォームアプリ</a:t>
-            </a:r>
-            <a:endParaRPr lang="en-US" altLang="ja-JP" dirty="0"/>
+              <a:rPr lang="ja-JP" altLang="en-US" sz="1800" dirty="0" smtClean="0"/>
+              <a:t>・</a:t>
+            </a:r>
+            <a:r>
+              <a:rPr lang="en-US" altLang="ja-JP" sz="1800" dirty="0" smtClean="0"/>
+              <a:t>Windows</a:t>
+            </a:r>
+            <a:r>
+              <a:rPr lang="ja-JP" altLang="en-US" sz="1800" dirty="0" smtClean="0"/>
+              <a:t>アプリとして制作時　→　数字、トランプの絵</a:t>
+            </a:r>
+            <a:endParaRPr lang="en-US" altLang="ja-JP" sz="1800" dirty="0"/>
           </a:p>
           <a:p>
             <a:pPr marL="0" indent="0">
               <a:buNone/>
             </a:pPr>
             <a:r>
-              <a:rPr lang="ja-JP" altLang="en-US" dirty="0" smtClean="0"/>
-              <a:t>　→　数字、トランプの絵</a:t>
-            </a:r>
-            <a:endParaRPr lang="en-US" altLang="ja-JP" dirty="0"/>
+              <a:rPr lang="ja-JP" altLang="en-US" sz="1800" dirty="0" smtClean="0"/>
+              <a:t>・</a:t>
+            </a:r>
+            <a:r>
+              <a:rPr lang="en-US" altLang="ja-JP" sz="1800" dirty="0" smtClean="0"/>
+              <a:t>Unity</a:t>
+            </a:r>
+            <a:r>
+              <a:rPr lang="ja-JP" altLang="en-US" sz="1800" dirty="0" smtClean="0"/>
+              <a:t>移植時への　→　上記に加えスーツ</a:t>
+            </a:r>
+            <a:r>
+              <a:rPr lang="en-US" altLang="ja-JP" sz="1800" dirty="0"/>
+              <a:t>(</a:t>
+            </a:r>
+            <a:r>
+              <a:rPr lang="ja-JP" altLang="en-US" sz="1800" dirty="0"/>
+              <a:t>♠♥♦♣</a:t>
+            </a:r>
+            <a:r>
+              <a:rPr lang="en-US" altLang="ja-JP" sz="1800" dirty="0" smtClean="0"/>
+              <a:t>)</a:t>
+            </a:r>
+            <a:r>
+              <a:rPr lang="ja-JP" altLang="en-US" sz="1800" dirty="0" smtClean="0"/>
+              <a:t>も対象とした。</a:t>
+            </a:r>
+            <a:endParaRPr lang="en-US" altLang="ja-JP" sz="1800" dirty="0" smtClean="0"/>
+          </a:p>
+          <a:p>
+            <a:endParaRPr kumimoji="1" lang="en-US" altLang="ja-JP" sz="1800" dirty="0" smtClean="0"/>
+          </a:p>
+          <a:p>
+            <a:r>
+              <a:rPr lang="ja-JP" altLang="en-US" sz="1800" dirty="0"/>
+              <a:t>プレイヤー、ディーラーの管理方法の改善点</a:t>
+            </a:r>
+            <a:endParaRPr lang="en-US" altLang="ja-JP" sz="1800" dirty="0"/>
           </a:p>
           <a:p>
             <a:pPr marL="0" indent="0">
               <a:buNone/>
             </a:pPr>
             <a:r>
-              <a:rPr lang="en-US" altLang="ja-JP" dirty="0" smtClean="0"/>
+              <a:rPr lang="ja-JP" altLang="en-US" sz="1800" dirty="0"/>
+              <a:t>・</a:t>
+            </a:r>
+            <a:r>
+              <a:rPr lang="en-US" altLang="ja-JP" sz="1800" dirty="0"/>
+              <a:t>Windows</a:t>
+            </a:r>
+            <a:r>
+              <a:rPr lang="ja-JP" altLang="en-US" sz="1800" dirty="0"/>
+              <a:t>アプリとして制作</a:t>
+            </a:r>
+            <a:r>
+              <a:rPr lang="ja-JP" altLang="en-US" sz="1800" dirty="0" smtClean="0"/>
+              <a:t>時　→</a:t>
+            </a:r>
+            <a:r>
+              <a:rPr lang="ja-JP" altLang="en-US" sz="1800" dirty="0"/>
+              <a:t>　変数のみ全てを管理</a:t>
+            </a:r>
+            <a:endParaRPr lang="en-US" altLang="ja-JP" sz="1800" dirty="0"/>
+          </a:p>
+          <a:p>
+            <a:pPr marL="0" indent="0">
+              <a:buNone/>
+            </a:pPr>
+            <a:r>
+              <a:rPr lang="ja-JP" altLang="en-US" sz="1800" dirty="0"/>
+              <a:t>・</a:t>
+            </a:r>
+            <a:r>
+              <a:rPr lang="en-US" altLang="ja-JP" sz="1800" dirty="0"/>
               <a:t>Unity</a:t>
             </a:r>
+            <a:r>
+              <a:rPr lang="ja-JP" altLang="en-US" sz="1800" dirty="0" err="1"/>
+              <a:t>への</a:t>
+            </a:r>
+            <a:r>
+              <a:rPr lang="ja-JP" altLang="en-US" sz="1800" dirty="0"/>
+              <a:t>移植</a:t>
+            </a:r>
+            <a:r>
+              <a:rPr lang="ja-JP" altLang="en-US" sz="1800" dirty="0" smtClean="0"/>
+              <a:t>時　→</a:t>
+            </a:r>
+            <a:r>
+              <a:rPr lang="ja-JP" altLang="en-US" sz="1800" dirty="0"/>
+              <a:t>　基底クラスを作り、継承を</a:t>
+            </a:r>
+            <a:r>
+              <a:rPr lang="ja-JP" altLang="en-US" sz="1800" dirty="0" smtClean="0"/>
+              <a:t>用いて各々を管理</a:t>
+            </a:r>
+            <a:endParaRPr lang="en-US" altLang="ja-JP" sz="1800" dirty="0"/>
           </a:p>
           <a:p>
             <a:pPr marL="0" indent="0">
               <a:buNone/>
             </a:pPr>
-            <a:r>
-              <a:rPr lang="ja-JP" altLang="en-US" dirty="0"/>
+            <a:endParaRPr kumimoji="1" lang="en-US" altLang="ja-JP" sz="1800" dirty="0" smtClean="0"/>
+          </a:p>
+          <a:p>
+            <a:r>
+              <a:rPr kumimoji="1" lang="ja-JP" altLang="en-US" sz="1800" dirty="0" smtClean="0"/>
+              <a:t>勝敗の管理判定方法の改善点</a:t>
+            </a:r>
+            <a:endParaRPr kumimoji="1" lang="en-US" altLang="ja-JP" sz="1800" dirty="0" smtClean="0"/>
+          </a:p>
+          <a:p>
+            <a:pPr marL="0" indent="0">
+              <a:buNone/>
+            </a:pPr>
+            <a:r>
+              <a:rPr lang="ja-JP" altLang="en-US" sz="1800" dirty="0"/>
+              <a:t>・</a:t>
+            </a:r>
+            <a:r>
+              <a:rPr lang="en-US" altLang="ja-JP" sz="1800" dirty="0"/>
+              <a:t>Windows</a:t>
+            </a:r>
+            <a:r>
+              <a:rPr lang="ja-JP" altLang="en-US" sz="1800" dirty="0"/>
+              <a:t>アプリとして制作</a:t>
+            </a:r>
+            <a:r>
+              <a:rPr lang="ja-JP" altLang="en-US" sz="1800" dirty="0" smtClean="0"/>
+              <a:t>時</a:t>
+            </a:r>
+            <a:r>
+              <a:rPr lang="ja-JP" altLang="en-US" sz="1800" dirty="0"/>
               <a:t>　</a:t>
             </a:r>
-            <a:r>
-              <a:rPr lang="ja-JP" altLang="en-US" dirty="0" smtClean="0"/>
-              <a:t>→　数字、トランプの絵、スーツ</a:t>
-            </a:r>
-            <a:r>
-              <a:rPr lang="en-US" altLang="ja-JP" dirty="0"/>
-              <a:t>(</a:t>
-            </a:r>
-            <a:r>
-              <a:rPr lang="ja-JP" altLang="en-US" dirty="0"/>
-              <a:t>♠♥♦♣</a:t>
-            </a:r>
-            <a:r>
-              <a:rPr lang="en-US" altLang="ja-JP" dirty="0" smtClean="0"/>
-              <a:t>)</a:t>
-            </a:r>
-          </a:p>
-          <a:p>
-            <a:endParaRPr kumimoji="1" lang="en-US" altLang="ja-JP" dirty="0" smtClean="0"/>
-          </a:p>
-          <a:p>
-            <a:r>
-              <a:rPr kumimoji="1" lang="ja-JP" altLang="en-US" dirty="0" smtClean="0"/>
-              <a:t>勝敗の管理</a:t>
-            </a:r>
-            <a:endParaRPr kumimoji="1" lang="en-US" altLang="ja-JP" dirty="0" smtClean="0"/>
+            <a:endParaRPr lang="en-US" altLang="ja-JP" sz="1800" dirty="0" smtClean="0"/>
           </a:p>
           <a:p>
             <a:pPr marL="0" indent="0">
               <a:buNone/>
             </a:pPr>
             <a:r>
-              <a:rPr lang="ja-JP" altLang="en-US" dirty="0" smtClean="0"/>
-              <a:t>フォームアプリ</a:t>
-            </a:r>
-            <a:endParaRPr lang="en-US" altLang="ja-JP" dirty="0" smtClean="0"/>
+              <a:rPr lang="ja-JP" altLang="en-US" sz="1800" dirty="0"/>
+              <a:t>　</a:t>
+            </a:r>
+            <a:r>
+              <a:rPr lang="ja-JP" altLang="en-US" sz="1800" dirty="0" smtClean="0"/>
+              <a:t>　→　一つの</a:t>
+            </a:r>
+            <a:r>
+              <a:rPr lang="en-US" altLang="ja-JP" sz="1800" dirty="0" smtClean="0"/>
+              <a:t>if</a:t>
+            </a:r>
+            <a:r>
+              <a:rPr lang="ja-JP" altLang="en-US" sz="1800" dirty="0" smtClean="0"/>
+              <a:t>文内に勝敗決定時の行動を全て記述。</a:t>
+            </a:r>
+            <a:endParaRPr lang="en-US" altLang="ja-JP" sz="1800" dirty="0" smtClean="0"/>
           </a:p>
           <a:p>
             <a:pPr marL="0" indent="0">
               <a:buNone/>
             </a:pPr>
             <a:r>
-              <a:rPr lang="ja-JP" altLang="en-US" dirty="0" smtClean="0"/>
-              <a:t>　→　一つの</a:t>
-            </a:r>
-            <a:r>
-              <a:rPr lang="en-US" altLang="ja-JP" dirty="0" smtClean="0"/>
-              <a:t>if</a:t>
-            </a:r>
-            <a:r>
-              <a:rPr lang="ja-JP" altLang="en-US" dirty="0" smtClean="0"/>
-              <a:t>文内に勝敗決定時の行動を全て記述。</a:t>
-            </a:r>
-            <a:endParaRPr lang="en-US" altLang="ja-JP" dirty="0" smtClean="0"/>
+              <a:rPr lang="ja-JP" altLang="en-US" sz="1800" dirty="0" smtClean="0"/>
+              <a:t>・</a:t>
+            </a:r>
+            <a:r>
+              <a:rPr lang="en-US" altLang="ja-JP" sz="1800" dirty="0" smtClean="0"/>
+              <a:t>Unity</a:t>
+            </a:r>
+            <a:r>
+              <a:rPr lang="ja-JP" altLang="en-US" sz="1800" dirty="0" err="1" smtClean="0"/>
+              <a:t>への</a:t>
+            </a:r>
+            <a:r>
+              <a:rPr lang="ja-JP" altLang="en-US" sz="1800" dirty="0" smtClean="0"/>
+              <a:t>移植時　</a:t>
+            </a:r>
+            <a:endParaRPr lang="en-US" altLang="ja-JP" sz="1800" dirty="0" smtClean="0"/>
           </a:p>
           <a:p>
             <a:pPr marL="0" indent="0">
               <a:buNone/>
             </a:pPr>
             <a:r>
-              <a:rPr kumimoji="1" lang="en-US" altLang="ja-JP" dirty="0" smtClean="0"/>
-              <a:t>Unity</a:t>
-            </a:r>
-          </a:p>
-          <a:p>
-            <a:pPr marL="0" indent="0">
-              <a:buNone/>
-            </a:pPr>
-            <a:r>
-              <a:rPr kumimoji="1" lang="ja-JP" altLang="en-US" dirty="0" smtClean="0"/>
-              <a:t>　→</a:t>
-            </a:r>
-            <a:r>
-              <a:rPr lang="ja-JP" altLang="en-US" dirty="0" smtClean="0"/>
+              <a:rPr kumimoji="1" lang="ja-JP" altLang="en-US" sz="1800" dirty="0" smtClean="0"/>
+              <a:t>　　→</a:t>
+            </a:r>
+            <a:r>
+              <a:rPr lang="ja-JP" altLang="en-US" sz="1800" dirty="0" smtClean="0"/>
               <a:t>　メソッドで行動を分け、見易くした。</a:t>
             </a:r>
-            <a:endParaRPr kumimoji="1" lang="en-US" altLang="ja-JP" dirty="0" smtClean="0"/>
+            <a:endParaRPr lang="en-US" altLang="ja-JP" sz="1800" dirty="0" smtClean="0"/>
           </a:p>
         </p:txBody>
       </p:sp>
@@ -7541,10 +7591,34 @@
               <a:rPr lang="en-US" altLang="ja-JP" sz="4800" dirty="0" smtClean="0"/>
             </a:br>
             <a:r>
-              <a:rPr lang="ja-JP" altLang="en-US" sz="2400" dirty="0" smtClean="0"/>
-              <a:t>フォームアプリからの変更点</a:t>
-            </a:r>
-            <a:endParaRPr kumimoji="1" lang="ja-JP" altLang="en-US" sz="2400" dirty="0"/>
+              <a:rPr lang="ja-JP" altLang="en-US" sz="2000" dirty="0"/>
+              <a:t>初期</a:t>
+            </a:r>
+            <a:r>
+              <a:rPr lang="ja-JP" altLang="en-US" sz="2000" dirty="0" smtClean="0"/>
+              <a:t>制作の</a:t>
+            </a:r>
+            <a:r>
+              <a:rPr lang="en-US" altLang="ja-JP" sz="2000" dirty="0" smtClean="0"/>
+              <a:t>Windows</a:t>
+            </a:r>
+            <a:r>
+              <a:rPr lang="ja-JP" altLang="en-US" sz="2000" dirty="0" smtClean="0"/>
+              <a:t>アプリから</a:t>
+            </a:r>
+            <a:r>
+              <a:rPr lang="en-US" altLang="ja-JP" sz="2000" dirty="0" smtClean="0"/>
+              <a:t>Unity</a:t>
+            </a:r>
+            <a:r>
+              <a:rPr lang="ja-JP" altLang="en-US" sz="2000" dirty="0" err="1" smtClean="0"/>
+              <a:t>への</a:t>
+            </a:r>
+            <a:r>
+              <a:rPr lang="ja-JP" altLang="en-US" sz="2000" dirty="0" smtClean="0"/>
+              <a:t>移植時の改善点</a:t>
+            </a:r>
+            <a:endParaRPr kumimoji="1" lang="ja-JP" altLang="en-US" sz="2000" dirty="0"/>
           </a:p>
         </p:txBody>
       </p:sp>

--- a/BLACKJACK.pptx
+++ b/BLACKJACK.pptx
@@ -5662,15 +5662,39 @@
             </a:r>
             <a:r>
               <a:rPr lang="ja-JP" altLang="en-US" dirty="0"/>
-              <a:t>、短期で集中して取り組むことで、フォームアプリで</a:t>
+              <a:t>、短期で集中して取り組むことで</a:t>
+            </a:r>
+            <a:r>
+              <a:rPr lang="ja-JP" altLang="en-US" dirty="0" smtClean="0"/>
+              <a:t>、</a:t>
             </a:r>
             <a:r>
               <a:rPr lang="en-US" altLang="ja-JP" dirty="0"/>
+              <a:t>Windows</a:t>
+            </a:r>
+            <a:r>
+              <a:rPr lang="ja-JP" altLang="en-US" smtClean="0"/>
+              <a:t>アプリ</a:t>
+            </a:r>
+            <a:r>
+              <a:rPr lang="ja-JP" altLang="en-US" smtClean="0"/>
+              <a:t>で</a:t>
+            </a:r>
+            <a:r>
+              <a:rPr lang="ja-JP" altLang="en-US" dirty="0" smtClean="0"/>
+              <a:t>「</a:t>
+            </a:r>
+            <a:r>
+              <a:rPr lang="en-US" altLang="ja-JP" dirty="0" smtClean="0"/>
               <a:t>BLACKJACK</a:t>
             </a:r>
             <a:r>
+              <a:rPr lang="ja-JP" altLang="en-US" dirty="0" smtClean="0"/>
+              <a:t>」を</a:t>
+            </a:r>
+            <a:r>
               <a:rPr lang="ja-JP" altLang="en-US" dirty="0"/>
-              <a:t>を作成することが出来た</a:t>
+              <a:t>作成することが出来た</a:t>
             </a:r>
             <a:r>
               <a:rPr lang="ja-JP" altLang="en-US" dirty="0" smtClean="0"/>
@@ -5681,11 +5705,7 @@
           <a:p>
             <a:r>
               <a:rPr lang="ja-JP" altLang="en-US" dirty="0" smtClean="0"/>
-              <a:t>ただ</a:t>
-            </a:r>
-            <a:r>
-              <a:rPr lang="ja-JP" altLang="en-US" dirty="0" smtClean="0"/>
-              <a:t>、</a:t>
+              <a:t>ただ、</a:t>
             </a:r>
             <a:r>
               <a:rPr lang="ja-JP" altLang="en-US" dirty="0"/>
@@ -5693,19 +5713,7 @@
             </a:r>
             <a:r>
               <a:rPr lang="ja-JP" altLang="en-US" dirty="0" smtClean="0"/>
-              <a:t>にまとまりがなく、オープンクローズド原則</a:t>
-            </a:r>
-            <a:r>
-              <a:rPr lang="ja-JP" altLang="en-US" dirty="0" smtClean="0"/>
-              <a:t>に</a:t>
-            </a:r>
-            <a:r>
-              <a:rPr lang="ja-JP" altLang="en-US" dirty="0" smtClean="0"/>
-              <a:t>も反しているものだった</a:t>
-            </a:r>
-            <a:r>
-              <a:rPr lang="ja-JP" altLang="en-US" dirty="0" smtClean="0"/>
-              <a:t>。</a:t>
+              <a:t>にまとまりがなく、オープンクローズド原則にも反しているものだった。</a:t>
             </a:r>
             <a:endParaRPr lang="en-US" altLang="ja-JP" dirty="0" smtClean="0"/>
           </a:p>
@@ -6028,15 +6036,7 @@
           <a:p>
             <a:r>
               <a:rPr lang="ja-JP" altLang="en-US" dirty="0" smtClean="0"/>
-              <a:t>自分なりに吸収できた</a:t>
-            </a:r>
-            <a:r>
-              <a:rPr lang="ja-JP" altLang="en-US" smtClean="0"/>
-              <a:t>ことを表現</a:t>
-            </a:r>
-            <a:r>
-              <a:rPr lang="ja-JP" altLang="en-US" dirty="0" smtClean="0"/>
-              <a:t>できるポートフォリオとして作成する。</a:t>
+              <a:t>自分なりに吸収できたことを表現できるポートフォリオとして作成する。</a:t>
             </a:r>
             <a:endParaRPr lang="en-US" altLang="ja-JP" dirty="0" smtClean="0"/>
           </a:p>
@@ -6063,7 +6063,11 @@
             </a:r>
             <a:r>
               <a:rPr lang="ja-JP" altLang="en-US" dirty="0" smtClean="0"/>
-              <a:t>上記をもとに</a:t>
+              <a:t>上記をもと</a:t>
+            </a:r>
+            <a:r>
+              <a:rPr lang="ja-JP" altLang="en-US" dirty="0" smtClean="0"/>
+              <a:t>に制作した</a:t>
             </a:r>
             <a:r>
               <a:rPr lang="en-US" altLang="ja-JP" dirty="0" smtClean="0"/>
@@ -6074,12 +6078,8 @@
               <a:t>フォームアプリ</a:t>
             </a:r>
             <a:r>
-              <a:rPr lang="ja-JP" altLang="en-US" dirty="0"/>
-              <a:t>で制作</a:t>
-            </a:r>
-            <a:r>
-              <a:rPr lang="ja-JP" altLang="en-US" dirty="0" smtClean="0"/>
-              <a:t>した</a:t>
+              <a:rPr lang="ja-JP" altLang="en-US" dirty="0" smtClean="0"/>
+              <a:t>の「</a:t>
             </a:r>
             <a:r>
               <a:rPr lang="en-US" altLang="ja-JP" dirty="0" smtClean="0"/>
@@ -6087,7 +6087,11 @@
             </a:r>
             <a:r>
               <a:rPr lang="ja-JP" altLang="en-US" dirty="0" smtClean="0"/>
-              <a:t>を、</a:t>
+              <a:t>」を</a:t>
+            </a:r>
+            <a:r>
+              <a:rPr lang="ja-JP" altLang="en-US" dirty="0" smtClean="0"/>
+              <a:t>、</a:t>
             </a:r>
             <a:r>
               <a:rPr lang="en-US" altLang="ja-JP" dirty="0" smtClean="0"/>

--- a/BLACKJACK.pptx
+++ b/BLACKJACK.pptx
@@ -19,6 +19,7 @@
     <p:sldId id="268" r:id="rId13"/>
     <p:sldId id="262" r:id="rId14"/>
     <p:sldId id="263" r:id="rId15"/>
+    <p:sldId id="271" r:id="rId16"/>
   </p:sldIdLst>
   <p:sldSz cx="9144000" cy="6858000" type="screen4x3"/>
   <p:notesSz cx="7104063" cy="10234613"/>
@@ -136,6 +137,7 @@
             <p14:sldId id="268"/>
             <p14:sldId id="262"/>
             <p14:sldId id="263"/>
+            <p14:sldId id="271"/>
           </p14:sldIdLst>
         </p14:section>
       </p14:sectionLst>
@@ -215,7 +217,7 @@
           <a:p>
             <a:fld id="{F761C6F4-A0F9-4422-9F56-FD6EDE7EE696}" type="datetimeFigureOut">
               <a:rPr kumimoji="1" lang="ja-JP" altLang="en-US" smtClean="0"/>
-              <a:t>2020/11/11</a:t>
+              <a:t>2020/11/12</a:t>
             </a:fld>
             <a:endParaRPr kumimoji="1" lang="ja-JP" altLang="en-US"/>
           </a:p>
@@ -772,7 +774,7 @@
           <a:p>
             <a:fld id="{F761C6F4-A0F9-4422-9F56-FD6EDE7EE696}" type="datetimeFigureOut">
               <a:rPr kumimoji="1" lang="ja-JP" altLang="en-US" smtClean="0"/>
-              <a:t>2020/11/11</a:t>
+              <a:t>2020/11/12</a:t>
             </a:fld>
             <a:endParaRPr kumimoji="1" lang="ja-JP" altLang="en-US"/>
           </a:p>
@@ -1118,7 +1120,7 @@
           <a:p>
             <a:fld id="{F761C6F4-A0F9-4422-9F56-FD6EDE7EE696}" type="datetimeFigureOut">
               <a:rPr kumimoji="1" lang="ja-JP" altLang="en-US" smtClean="0"/>
-              <a:t>2020/11/11</a:t>
+              <a:t>2020/11/12</a:t>
             </a:fld>
             <a:endParaRPr kumimoji="1" lang="ja-JP" altLang="en-US"/>
           </a:p>
@@ -1436,7 +1438,7 @@
           <a:p>
             <a:fld id="{F761C6F4-A0F9-4422-9F56-FD6EDE7EE696}" type="datetimeFigureOut">
               <a:rPr kumimoji="1" lang="ja-JP" altLang="en-US" smtClean="0"/>
-              <a:t>2020/11/11</a:t>
+              <a:t>2020/11/12</a:t>
             </a:fld>
             <a:endParaRPr kumimoji="1" lang="ja-JP" altLang="en-US"/>
           </a:p>
@@ -2011,7 +2013,7 @@
           <a:p>
             <a:fld id="{F761C6F4-A0F9-4422-9F56-FD6EDE7EE696}" type="datetimeFigureOut">
               <a:rPr kumimoji="1" lang="ja-JP" altLang="en-US" smtClean="0"/>
-              <a:t>2020/11/11</a:t>
+              <a:t>2020/11/12</a:t>
             </a:fld>
             <a:endParaRPr kumimoji="1" lang="ja-JP" altLang="en-US"/>
           </a:p>
@@ -2101,7 +2103,7 @@
           <a:p>
             <a:fld id="{F761C6F4-A0F9-4422-9F56-FD6EDE7EE696}" type="datetimeFigureOut">
               <a:rPr kumimoji="1" lang="ja-JP" altLang="en-US" smtClean="0"/>
-              <a:t>2020/11/11</a:t>
+              <a:t>2020/11/12</a:t>
             </a:fld>
             <a:endParaRPr kumimoji="1" lang="ja-JP" altLang="en-US"/>
           </a:p>
@@ -2938,7 +2940,7 @@
           <a:p>
             <a:fld id="{F761C6F4-A0F9-4422-9F56-FD6EDE7EE696}" type="datetimeFigureOut">
               <a:rPr kumimoji="1" lang="ja-JP" altLang="en-US" smtClean="0"/>
-              <a:t>2020/11/11</a:t>
+              <a:t>2020/11/12</a:t>
             </a:fld>
             <a:endParaRPr kumimoji="1" lang="ja-JP" altLang="en-US"/>
           </a:p>
@@ -3190,7 +3192,7 @@
           <a:p>
             <a:fld id="{F761C6F4-A0F9-4422-9F56-FD6EDE7EE696}" type="datetimeFigureOut">
               <a:rPr kumimoji="1" lang="ja-JP" altLang="en-US" smtClean="0"/>
-              <a:t>2020/11/11</a:t>
+              <a:t>2020/11/12</a:t>
             </a:fld>
             <a:endParaRPr kumimoji="1" lang="ja-JP" altLang="en-US"/>
           </a:p>
@@ -3419,7 +3421,7 @@
           <a:p>
             <a:fld id="{F761C6F4-A0F9-4422-9F56-FD6EDE7EE696}" type="datetimeFigureOut">
               <a:rPr kumimoji="1" lang="ja-JP" altLang="en-US" smtClean="0"/>
-              <a:t>2020/11/11</a:t>
+              <a:t>2020/11/12</a:t>
             </a:fld>
             <a:endParaRPr kumimoji="1" lang="ja-JP" altLang="en-US"/>
           </a:p>
@@ -3725,7 +3727,7 @@
           <a:p>
             <a:fld id="{F761C6F4-A0F9-4422-9F56-FD6EDE7EE696}" type="datetimeFigureOut">
               <a:rPr kumimoji="1" lang="ja-JP" altLang="en-US" smtClean="0"/>
-              <a:t>2020/11/11</a:t>
+              <a:t>2020/11/12</a:t>
             </a:fld>
             <a:endParaRPr kumimoji="1" lang="ja-JP" altLang="en-US"/>
           </a:p>
@@ -4011,7 +4013,7 @@
           <a:p>
             <a:fld id="{F761C6F4-A0F9-4422-9F56-FD6EDE7EE696}" type="datetimeFigureOut">
               <a:rPr kumimoji="1" lang="ja-JP" altLang="en-US" smtClean="0"/>
-              <a:t>2020/11/11</a:t>
+              <a:t>2020/11/12</a:t>
             </a:fld>
             <a:endParaRPr kumimoji="1" lang="ja-JP" altLang="en-US"/>
           </a:p>
@@ -4311,7 +4313,7 @@
           <a:p>
             <a:fld id="{F761C6F4-A0F9-4422-9F56-FD6EDE7EE696}" type="datetimeFigureOut">
               <a:rPr kumimoji="1" lang="ja-JP" altLang="en-US" smtClean="0"/>
-              <a:t>2020/11/11</a:t>
+              <a:t>2020/11/12</a:t>
             </a:fld>
             <a:endParaRPr kumimoji="1" lang="ja-JP" altLang="en-US"/>
           </a:p>
@@ -5658,11 +5660,38 @@
           <a:p>
             <a:r>
               <a:rPr lang="ja-JP" altLang="en-US" dirty="0" smtClean="0"/>
-              <a:t>半年前まではパソコンにあまり触れる機会もないくらいだったが、二か月弱</a:t>
+              <a:t>半年前まではパソコン</a:t>
+            </a:r>
+            <a:r>
+              <a:rPr lang="ja-JP" altLang="en-US" dirty="0" smtClean="0"/>
+              <a:t>に</a:t>
+            </a:r>
+            <a:r>
+              <a:rPr lang="ja-JP" altLang="en-US" dirty="0" smtClean="0"/>
+              <a:t>触れる機会もほぼなく</a:t>
+            </a:r>
+            <a:r>
+              <a:rPr lang="ja-JP" altLang="en-US" dirty="0" smtClean="0"/>
+              <a:t>、操作もままならない状態だった。</a:t>
+            </a:r>
+            <a:endParaRPr lang="en-US" altLang="ja-JP" dirty="0" smtClean="0"/>
+          </a:p>
+          <a:p>
+            <a:r>
+              <a:rPr lang="ja-JP" altLang="en-US" dirty="0" smtClean="0"/>
+              <a:t>二か月弱</a:t>
             </a:r>
             <a:r>
               <a:rPr lang="ja-JP" altLang="en-US" dirty="0"/>
-              <a:t>、短期で集中して取り組むことで</a:t>
+              <a:t>の</a:t>
+            </a:r>
+            <a:r>
+              <a:rPr lang="ja-JP" altLang="en-US" dirty="0" smtClean="0"/>
+              <a:t>短期</a:t>
+            </a:r>
+            <a:r>
+              <a:rPr lang="ja-JP" altLang="en-US" dirty="0"/>
+              <a:t>で集中して取り組むことで</a:t>
             </a:r>
             <a:r>
               <a:rPr lang="ja-JP" altLang="en-US" dirty="0" smtClean="0"/>
@@ -5673,16 +5702,8 @@
               <a:t>Windows</a:t>
             </a:r>
             <a:r>
-              <a:rPr lang="ja-JP" altLang="en-US" smtClean="0"/>
-              <a:t>アプリ</a:t>
-            </a:r>
-            <a:r>
-              <a:rPr lang="ja-JP" altLang="en-US" smtClean="0"/>
-              <a:t>で</a:t>
-            </a:r>
-            <a:r>
-              <a:rPr lang="ja-JP" altLang="en-US" dirty="0" smtClean="0"/>
-              <a:t>「</a:t>
+              <a:rPr lang="ja-JP" altLang="en-US" dirty="0" smtClean="0"/>
+              <a:t>アプリで「</a:t>
             </a:r>
             <a:r>
               <a:rPr lang="en-US" altLang="ja-JP" dirty="0" smtClean="0"/>
@@ -5694,11 +5715,11 @@
             </a:r>
             <a:r>
               <a:rPr lang="ja-JP" altLang="en-US" dirty="0"/>
-              <a:t>作成することが出来た</a:t>
-            </a:r>
-            <a:r>
-              <a:rPr lang="ja-JP" altLang="en-US" dirty="0" smtClean="0"/>
-              <a:t>。</a:t>
+              <a:t>作成することが</a:t>
+            </a:r>
+            <a:r>
+              <a:rPr lang="ja-JP" altLang="en-US" dirty="0" smtClean="0"/>
+              <a:t>出来るまでになった。</a:t>
             </a:r>
             <a:endParaRPr lang="en-US" altLang="ja-JP" dirty="0" smtClean="0"/>
           </a:p>
@@ -5713,49 +5734,35 @@
             </a:r>
             <a:r>
               <a:rPr lang="ja-JP" altLang="en-US" dirty="0" smtClean="0"/>
-              <a:t>にまとまりがなく、オープンクローズド原則にも反しているものだった。</a:t>
+              <a:t>にまとまりがなく</a:t>
+            </a:r>
+            <a:r>
+              <a:rPr lang="ja-JP" altLang="en-US" dirty="0" smtClean="0"/>
+              <a:t>、</a:t>
+            </a:r>
+            <a:r>
+              <a:rPr lang="ja-JP" altLang="en-US" dirty="0" smtClean="0"/>
+              <a:t>機能追加、修正を加えることが難しいものとなってしまった。</a:t>
             </a:r>
             <a:endParaRPr lang="en-US" altLang="ja-JP" dirty="0" smtClean="0"/>
           </a:p>
           <a:p>
             <a:r>
               <a:rPr lang="ja-JP" altLang="en-US" dirty="0" smtClean="0"/>
-              <a:t>さらに二か月弱、集中して取り組み、</a:t>
+              <a:t>さらに二か月弱、集中</a:t>
+            </a:r>
+            <a:r>
+              <a:rPr lang="ja-JP" altLang="en-US" dirty="0" smtClean="0"/>
+              <a:t>して取り組み、前回の反省も踏まえた上で、上記アプリを</a:t>
             </a:r>
             <a:r>
               <a:rPr lang="en-US" altLang="ja-JP" dirty="0" smtClean="0"/>
               <a:t>Unity</a:t>
             </a:r>
             <a:r>
-              <a:rPr lang="ja-JP" altLang="en-US" dirty="0" err="1" smtClean="0"/>
-              <a:t>への</a:t>
-            </a:r>
-            <a:r>
-              <a:rPr lang="ja-JP" altLang="en-US" dirty="0" smtClean="0"/>
-              <a:t>移植をすることが出来た。</a:t>
-            </a:r>
-            <a:endParaRPr lang="en-US" altLang="ja-JP" dirty="0" smtClean="0"/>
-          </a:p>
-          <a:p>
-            <a:r>
-              <a:rPr lang="ja-JP" altLang="en-US" dirty="0"/>
-              <a:t>また</a:t>
-            </a:r>
-            <a:r>
-              <a:rPr lang="en-US" altLang="ja-JP" dirty="0"/>
-              <a:t>Unity</a:t>
-            </a:r>
-            <a:r>
-              <a:rPr lang="ja-JP" altLang="en-US" dirty="0"/>
-              <a:t>へ移植することで過去に書いたコードを見返し、自分の成長を大いに</a:t>
-            </a:r>
-            <a:r>
-              <a:rPr lang="ja-JP" altLang="en-US" dirty="0" smtClean="0"/>
-              <a:t>感じることが出来た。</a:t>
-            </a:r>
-            <a:endParaRPr lang="en-US" altLang="ja-JP" dirty="0"/>
-          </a:p>
-          <a:p>
+              <a:rPr lang="ja-JP" altLang="en-US" dirty="0" smtClean="0"/>
+              <a:t>へ移植することが出来た。</a:t>
+            </a:r>
             <a:endParaRPr lang="en-US" altLang="ja-JP" dirty="0" smtClean="0"/>
           </a:p>
           <a:p>
@@ -5782,8 +5789,12 @@
           <a:lstStyle/>
           <a:p>
             <a:r>
-              <a:rPr lang="ja-JP" altLang="en-US" dirty="0"/>
+              <a:rPr lang="ja-JP" altLang="en-US" dirty="0" smtClean="0"/>
               <a:t>まとめ</a:t>
+            </a:r>
+            <a:r>
+              <a:rPr lang="en-US" altLang="ja-JP" dirty="0" smtClean="0"/>
+              <a:t>(1/2)</a:t>
             </a:r>
             <a:endParaRPr kumimoji="1" lang="ja-JP" altLang="en-US" dirty="0"/>
           </a:p>
@@ -5793,6 +5804,129 @@
     <p:extLst>
       <p:ext uri="{BB962C8B-B14F-4D97-AF65-F5344CB8AC3E}">
         <p14:creationId xmlns:p14="http://schemas.microsoft.com/office/powerpoint/2010/main" val="4010228781"/>
+      </p:ext>
+    </p:extLst>
+  </p:cSld>
+  <p:clrMapOvr>
+    <a:masterClrMapping/>
+  </p:clrMapOvr>
+  <p:timing>
+    <p:tnLst>
+      <p:par>
+        <p:cTn id="1" dur="indefinite" restart="never" nodeType="tmRoot"/>
+      </p:par>
+    </p:tnLst>
+  </p:timing>
+</p:sld>
+</file>
+
+<file path=ppt/slides/slide15.xml><?xml version="1.0" encoding="utf-8"?>
+<p:sld xmlns:a="http://schemas.openxmlformats.org/drawingml/2006/main" xmlns:r="http://schemas.openxmlformats.org/officeDocument/2006/relationships" xmlns:p="http://schemas.openxmlformats.org/presentationml/2006/main">
+  <p:cSld>
+    <p:spTree>
+      <p:nvGrpSpPr>
+        <p:cNvPr id="1" name=""/>
+        <p:cNvGrpSpPr/>
+        <p:nvPr/>
+      </p:nvGrpSpPr>
+      <p:grpSpPr>
+        <a:xfrm>
+          <a:off x="0" y="0"/>
+          <a:ext cx="0" cy="0"/>
+          <a:chOff x="0" y="0"/>
+          <a:chExt cx="0" cy="0"/>
+        </a:xfrm>
+      </p:grpSpPr>
+      <p:sp>
+        <p:nvSpPr>
+          <p:cNvPr id="2" name="コンテンツ プレースホルダー 1"/>
+          <p:cNvSpPr>
+            <a:spLocks noGrp="1"/>
+          </p:cNvSpPr>
+          <p:nvPr>
+            <p:ph idx="1"/>
+          </p:nvPr>
+        </p:nvSpPr>
+        <p:spPr/>
+        <p:txBody>
+          <a:bodyPr>
+            <a:normAutofit/>
+          </a:bodyPr>
+          <a:lstStyle/>
+          <a:p>
+            <a:r>
+              <a:rPr lang="en-US" altLang="ja-JP" dirty="0"/>
+              <a:t>Unity</a:t>
+            </a:r>
+            <a:r>
+              <a:rPr lang="ja-JP" altLang="en-US" dirty="0" err="1"/>
+              <a:t>への</a:t>
+            </a:r>
+            <a:r>
+              <a:rPr lang="ja-JP" altLang="en-US" dirty="0" smtClean="0"/>
+              <a:t>移植を通じて、</a:t>
+            </a:r>
+            <a:r>
+              <a:rPr lang="en-US" altLang="ja-JP" dirty="0" smtClean="0"/>
+              <a:t>Unity</a:t>
+            </a:r>
+            <a:r>
+              <a:rPr lang="ja-JP" altLang="en-US" dirty="0" smtClean="0"/>
+              <a:t>の理解を深めることが出来、</a:t>
+            </a:r>
+            <a:r>
+              <a:rPr lang="en-US" altLang="ja-JP" dirty="0" smtClean="0"/>
+              <a:t>C#</a:t>
+            </a:r>
+            <a:r>
+              <a:rPr lang="ja-JP" altLang="en-US" dirty="0" smtClean="0"/>
+              <a:t>のスキルアップにもつながる結果を得られた。</a:t>
+            </a:r>
+            <a:endParaRPr lang="en-US" altLang="ja-JP" dirty="0"/>
+          </a:p>
+          <a:p>
+            <a:r>
+              <a:rPr lang="ja-JP" altLang="en-US" dirty="0" smtClean="0"/>
+              <a:t>また過去の自分のコードを見返し、自分の成長を大いに感じることが出来、これからの取り組みに対する大きな励みとなった。</a:t>
+            </a:r>
+            <a:endParaRPr lang="ja-JP" altLang="en-US" dirty="0"/>
+          </a:p>
+          <a:p>
+            <a:endParaRPr kumimoji="1" lang="ja-JP" altLang="en-US" dirty="0"/>
+          </a:p>
+        </p:txBody>
+      </p:sp>
+      <p:sp>
+        <p:nvSpPr>
+          <p:cNvPr id="3" name="タイトル 2"/>
+          <p:cNvSpPr>
+            <a:spLocks noGrp="1"/>
+          </p:cNvSpPr>
+          <p:nvPr>
+            <p:ph type="title"/>
+          </p:nvPr>
+        </p:nvSpPr>
+        <p:spPr/>
+        <p:txBody>
+          <a:bodyPr/>
+          <a:lstStyle/>
+          <a:p>
+            <a:r>
+              <a:rPr lang="ja-JP" altLang="en-US" dirty="0" smtClean="0"/>
+              <a:t>まとめ</a:t>
+            </a:r>
+            <a:r>
+              <a:rPr lang="en-US" altLang="ja-JP" dirty="0" smtClean="0"/>
+              <a:t>(2/2)</a:t>
+            </a:r>
+            <a:endParaRPr kumimoji="1" lang="ja-JP" altLang="en-US" dirty="0"/>
+          </a:p>
+        </p:txBody>
+      </p:sp>
+    </p:spTree>
+    <p:extLst>
+      <p:ext uri="{BB962C8B-B14F-4D97-AF65-F5344CB8AC3E}">
+        <p14:creationId xmlns:p14="http://schemas.microsoft.com/office/powerpoint/2010/main" val="2850365526"/>
       </p:ext>
     </p:extLst>
   </p:cSld>
@@ -5839,7 +5973,7 @@
         <p:spPr/>
         <p:txBody>
           <a:bodyPr>
-            <a:normAutofit fontScale="85000" lnSpcReduction="20000"/>
+            <a:normAutofit fontScale="77500" lnSpcReduction="20000"/>
           </a:bodyPr>
           <a:lstStyle/>
           <a:p>
@@ -5952,6 +6086,20 @@
             <a:r>
               <a:rPr kumimoji="1" lang="ja-JP" altLang="en-US" dirty="0" smtClean="0"/>
               <a:t>まとめ</a:t>
+            </a:r>
+            <a:r>
+              <a:rPr kumimoji="1" lang="en-US" altLang="ja-JP" dirty="0" smtClean="0"/>
+              <a:t>(1/2)</a:t>
+            </a:r>
+          </a:p>
+          <a:p>
+            <a:r>
+              <a:rPr lang="ja-JP" altLang="en-US" dirty="0" smtClean="0"/>
+              <a:t>まとめ</a:t>
+            </a:r>
+            <a:r>
+              <a:rPr lang="en-US" altLang="ja-JP" smtClean="0"/>
+              <a:t>(2/2)</a:t>
             </a:r>
             <a:endParaRPr kumimoji="1" lang="ja-JP" altLang="en-US" dirty="0"/>
           </a:p>
@@ -6063,11 +6211,7 @@
             </a:r>
             <a:r>
               <a:rPr lang="ja-JP" altLang="en-US" dirty="0" smtClean="0"/>
-              <a:t>上記をもと</a:t>
-            </a:r>
-            <a:r>
-              <a:rPr lang="ja-JP" altLang="en-US" dirty="0" smtClean="0"/>
-              <a:t>に制作した</a:t>
+              <a:t>上記をもとに制作した</a:t>
             </a:r>
             <a:r>
               <a:rPr lang="en-US" altLang="ja-JP" dirty="0" smtClean="0"/>
@@ -6075,11 +6219,7 @@
             </a:r>
             <a:r>
               <a:rPr lang="ja-JP" altLang="en-US" dirty="0" smtClean="0"/>
-              <a:t>フォームアプリ</a:t>
-            </a:r>
-            <a:r>
-              <a:rPr lang="ja-JP" altLang="en-US" dirty="0" smtClean="0"/>
-              <a:t>の「</a:t>
+              <a:t>フォームアプリの「</a:t>
             </a:r>
             <a:r>
               <a:rPr lang="en-US" altLang="ja-JP" dirty="0" smtClean="0"/>
@@ -6087,11 +6227,7 @@
             </a:r>
             <a:r>
               <a:rPr lang="ja-JP" altLang="en-US" dirty="0" smtClean="0"/>
-              <a:t>」を</a:t>
-            </a:r>
-            <a:r>
-              <a:rPr lang="ja-JP" altLang="en-US" dirty="0" smtClean="0"/>
-              <a:t>、</a:t>
+              <a:t>」を、</a:t>
             </a:r>
             <a:r>
               <a:rPr lang="en-US" altLang="ja-JP" dirty="0" smtClean="0"/>
@@ -6212,15 +6348,23 @@
             </a:r>
             <a:r>
               <a:rPr lang="ja-JP" altLang="en-US" dirty="0" smtClean="0"/>
-              <a:t>で、いかに手札を</a:t>
-            </a:r>
-            <a:r>
-              <a:rPr lang="en-US" altLang="ja-JP" dirty="0"/>
+              <a:t>で、いかに</a:t>
+            </a:r>
+            <a:r>
+              <a:rPr lang="ja-JP" altLang="en-US" dirty="0" smtClean="0"/>
+              <a:t>手札の数字を</a:t>
+            </a:r>
+            <a:r>
+              <a:rPr lang="en-US" altLang="ja-JP" dirty="0" smtClean="0"/>
               <a:t>21</a:t>
             </a:r>
             <a:r>
               <a:rPr lang="ja-JP" altLang="en-US" dirty="0" smtClean="0"/>
-              <a:t>近い数字にするかで勝敗が決まる。</a:t>
+              <a:t>に近い</a:t>
+            </a:r>
+            <a:r>
+              <a:rPr lang="ja-JP" altLang="en-US" dirty="0" smtClean="0"/>
+              <a:t>数字にするかで勝敗が決まる。</a:t>
             </a:r>
             <a:endParaRPr lang="en-US" altLang="ja-JP" dirty="0" smtClean="0"/>
           </a:p>
@@ -6621,12 +6765,17 @@
             </a:r>
             <a:r>
               <a:rPr lang="ja-JP" altLang="en-US" dirty="0" smtClean="0"/>
-              <a:t>額の半分が返金</a:t>
+              <a:t>額の半分が</a:t>
+            </a:r>
+            <a:r>
+              <a:rPr lang="ja-JP" altLang="en-US" dirty="0" smtClean="0"/>
+              <a:t>返金</a:t>
             </a:r>
             <a:r>
               <a:rPr lang="en-US" altLang="ja-JP" dirty="0" smtClean="0"/>
               <a:t>)</a:t>
             </a:r>
+            <a:endParaRPr lang="en-US" altLang="ja-JP" dirty="0" smtClean="0"/>
           </a:p>
           <a:p>
             <a:pPr marL="0" indent="0">

--- a/BLACKJACK.pptx
+++ b/BLACKJACK.pptx
@@ -5660,19 +5660,7 @@
           <a:p>
             <a:r>
               <a:rPr lang="ja-JP" altLang="en-US" dirty="0" smtClean="0"/>
-              <a:t>半年前まではパソコン</a:t>
-            </a:r>
-            <a:r>
-              <a:rPr lang="ja-JP" altLang="en-US" dirty="0" smtClean="0"/>
-              <a:t>に</a:t>
-            </a:r>
-            <a:r>
-              <a:rPr lang="ja-JP" altLang="en-US" dirty="0" smtClean="0"/>
-              <a:t>触れる機会もほぼなく</a:t>
-            </a:r>
-            <a:r>
-              <a:rPr lang="ja-JP" altLang="en-US" dirty="0" smtClean="0"/>
-              <a:t>、操作もままならない状態だった。</a:t>
+              <a:t>半年前まではパソコンに触れる機会もほぼなく、操作もままならない状態だった。</a:t>
             </a:r>
             <a:endParaRPr lang="en-US" altLang="ja-JP" dirty="0" smtClean="0"/>
           </a:p>
@@ -5734,26 +5722,14 @@
             </a:r>
             <a:r>
               <a:rPr lang="ja-JP" altLang="en-US" dirty="0" smtClean="0"/>
-              <a:t>にまとまりがなく</a:t>
-            </a:r>
-            <a:r>
-              <a:rPr lang="ja-JP" altLang="en-US" dirty="0" smtClean="0"/>
-              <a:t>、</a:t>
-            </a:r>
-            <a:r>
-              <a:rPr lang="ja-JP" altLang="en-US" dirty="0" smtClean="0"/>
-              <a:t>機能追加、修正を加えることが難しいものとなってしまった。</a:t>
+              <a:t>にまとまりがなく、機能追加、修正を加えることが難しいものとなってしまった。</a:t>
             </a:r>
             <a:endParaRPr lang="en-US" altLang="ja-JP" dirty="0" smtClean="0"/>
           </a:p>
           <a:p>
             <a:r>
               <a:rPr lang="ja-JP" altLang="en-US" dirty="0" smtClean="0"/>
-              <a:t>さらに二か月弱、集中</a:t>
-            </a:r>
-            <a:r>
-              <a:rPr lang="ja-JP" altLang="en-US" dirty="0" smtClean="0"/>
-              <a:t>して取り組み、前回の反省も踏まえた上で、上記アプリを</a:t>
+              <a:t>さらに二か月弱、集中して取り組み、前回の反省も踏まえた上で、上記アプリを</a:t>
             </a:r>
             <a:r>
               <a:rPr lang="en-US" altLang="ja-JP" dirty="0" smtClean="0"/>
@@ -6348,11 +6324,7 @@
             </a:r>
             <a:r>
               <a:rPr lang="ja-JP" altLang="en-US" dirty="0" smtClean="0"/>
-              <a:t>で、いかに</a:t>
-            </a:r>
-            <a:r>
-              <a:rPr lang="ja-JP" altLang="en-US" dirty="0" smtClean="0"/>
-              <a:t>手札の数字を</a:t>
+              <a:t>で、いかに手札の数字を</a:t>
             </a:r>
             <a:r>
               <a:rPr lang="en-US" altLang="ja-JP" dirty="0" smtClean="0"/>
@@ -6360,11 +6332,7 @@
             </a:r>
             <a:r>
               <a:rPr lang="ja-JP" altLang="en-US" dirty="0" smtClean="0"/>
-              <a:t>に近い</a:t>
-            </a:r>
-            <a:r>
-              <a:rPr lang="ja-JP" altLang="en-US" dirty="0" smtClean="0"/>
-              <a:t>数字にするかで勝敗が決まる。</a:t>
+              <a:t>に近い数字にするかで勝敗が決まる。</a:t>
             </a:r>
             <a:endParaRPr lang="en-US" altLang="ja-JP" dirty="0" smtClean="0"/>
           </a:p>
@@ -6765,17 +6733,12 @@
             </a:r>
             <a:r>
               <a:rPr lang="ja-JP" altLang="en-US" dirty="0" smtClean="0"/>
-              <a:t>額の半分が</a:t>
-            </a:r>
-            <a:r>
-              <a:rPr lang="ja-JP" altLang="en-US" dirty="0" smtClean="0"/>
-              <a:t>返金</a:t>
+              <a:t>額の半分が返金</a:t>
             </a:r>
             <a:r>
               <a:rPr lang="en-US" altLang="ja-JP" dirty="0" smtClean="0"/>
               <a:t>)</a:t>
             </a:r>
-            <a:endParaRPr lang="en-US" altLang="ja-JP" dirty="0" smtClean="0"/>
           </a:p>
           <a:p>
             <a:pPr marL="0" indent="0">
@@ -7527,8 +7490,16 @@
               <a:t>Unity</a:t>
             </a:r>
             <a:r>
+              <a:rPr lang="ja-JP" altLang="en-US" sz="1800" dirty="0" err="1" smtClean="0"/>
+              <a:t>への</a:t>
+            </a:r>
+            <a:r>
               <a:rPr lang="ja-JP" altLang="en-US" sz="1800" dirty="0" smtClean="0"/>
-              <a:t>移植時への　→　上記に加えスーツ</a:t>
+              <a:t>移植時</a:t>
+            </a:r>
+            <a:r>
+              <a:rPr lang="ja-JP" altLang="en-US" sz="1800" dirty="0" smtClean="0"/>
+              <a:t>　→　上記に加えスーツ</a:t>
             </a:r>
             <a:r>
               <a:rPr lang="en-US" altLang="ja-JP" sz="1800" dirty="0"/>
@@ -7610,7 +7581,23 @@
             </a:r>
             <a:r>
               <a:rPr lang="ja-JP" altLang="en-US" sz="1800" dirty="0"/>
-              <a:t>　基底クラスを作り、継承を</a:t>
+              <a:t>　基底クラス</a:t>
+            </a:r>
+            <a:r>
+              <a:rPr lang="ja-JP" altLang="en-US" sz="1800" dirty="0" smtClean="0"/>
+              <a:t>を</a:t>
+            </a:r>
+            <a:r>
+              <a:rPr lang="ja-JP" altLang="en-US" sz="1800" dirty="0" smtClean="0"/>
+              <a:t>作成し</a:t>
+            </a:r>
+            <a:r>
+              <a:rPr lang="ja-JP" altLang="en-US" sz="1800" dirty="0" smtClean="0"/>
+              <a:t>、</a:t>
+            </a:r>
+            <a:r>
+              <a:rPr lang="ja-JP" altLang="en-US" sz="1800" dirty="0"/>
+              <a:t>継承を</a:t>
             </a:r>
             <a:r>
               <a:rPr lang="ja-JP" altLang="en-US" sz="1800" dirty="0" smtClean="0"/>

--- a/BLACKJACK.pptx
+++ b/BLACKJACK.pptx
@@ -217,7 +217,7 @@
           <a:p>
             <a:fld id="{F761C6F4-A0F9-4422-9F56-FD6EDE7EE696}" type="datetimeFigureOut">
               <a:rPr kumimoji="1" lang="ja-JP" altLang="en-US" smtClean="0"/>
-              <a:t>2020/11/12</a:t>
+              <a:t>2020/11/13</a:t>
             </a:fld>
             <a:endParaRPr kumimoji="1" lang="ja-JP" altLang="en-US"/>
           </a:p>
@@ -774,7 +774,7 @@
           <a:p>
             <a:fld id="{F761C6F4-A0F9-4422-9F56-FD6EDE7EE696}" type="datetimeFigureOut">
               <a:rPr kumimoji="1" lang="ja-JP" altLang="en-US" smtClean="0"/>
-              <a:t>2020/11/12</a:t>
+              <a:t>2020/11/13</a:t>
             </a:fld>
             <a:endParaRPr kumimoji="1" lang="ja-JP" altLang="en-US"/>
           </a:p>
@@ -1120,7 +1120,7 @@
           <a:p>
             <a:fld id="{F761C6F4-A0F9-4422-9F56-FD6EDE7EE696}" type="datetimeFigureOut">
               <a:rPr kumimoji="1" lang="ja-JP" altLang="en-US" smtClean="0"/>
-              <a:t>2020/11/12</a:t>
+              <a:t>2020/11/13</a:t>
             </a:fld>
             <a:endParaRPr kumimoji="1" lang="ja-JP" altLang="en-US"/>
           </a:p>
@@ -1438,7 +1438,7 @@
           <a:p>
             <a:fld id="{F761C6F4-A0F9-4422-9F56-FD6EDE7EE696}" type="datetimeFigureOut">
               <a:rPr kumimoji="1" lang="ja-JP" altLang="en-US" smtClean="0"/>
-              <a:t>2020/11/12</a:t>
+              <a:t>2020/11/13</a:t>
             </a:fld>
             <a:endParaRPr kumimoji="1" lang="ja-JP" altLang="en-US"/>
           </a:p>
@@ -2013,7 +2013,7 @@
           <a:p>
             <a:fld id="{F761C6F4-A0F9-4422-9F56-FD6EDE7EE696}" type="datetimeFigureOut">
               <a:rPr kumimoji="1" lang="ja-JP" altLang="en-US" smtClean="0"/>
-              <a:t>2020/11/12</a:t>
+              <a:t>2020/11/13</a:t>
             </a:fld>
             <a:endParaRPr kumimoji="1" lang="ja-JP" altLang="en-US"/>
           </a:p>
@@ -2103,7 +2103,7 @@
           <a:p>
             <a:fld id="{F761C6F4-A0F9-4422-9F56-FD6EDE7EE696}" type="datetimeFigureOut">
               <a:rPr kumimoji="1" lang="ja-JP" altLang="en-US" smtClean="0"/>
-              <a:t>2020/11/12</a:t>
+              <a:t>2020/11/13</a:t>
             </a:fld>
             <a:endParaRPr kumimoji="1" lang="ja-JP" altLang="en-US"/>
           </a:p>
@@ -2940,7 +2940,7 @@
           <a:p>
             <a:fld id="{F761C6F4-A0F9-4422-9F56-FD6EDE7EE696}" type="datetimeFigureOut">
               <a:rPr kumimoji="1" lang="ja-JP" altLang="en-US" smtClean="0"/>
-              <a:t>2020/11/12</a:t>
+              <a:t>2020/11/13</a:t>
             </a:fld>
             <a:endParaRPr kumimoji="1" lang="ja-JP" altLang="en-US"/>
           </a:p>
@@ -3192,7 +3192,7 @@
           <a:p>
             <a:fld id="{F761C6F4-A0F9-4422-9F56-FD6EDE7EE696}" type="datetimeFigureOut">
               <a:rPr kumimoji="1" lang="ja-JP" altLang="en-US" smtClean="0"/>
-              <a:t>2020/11/12</a:t>
+              <a:t>2020/11/13</a:t>
             </a:fld>
             <a:endParaRPr kumimoji="1" lang="ja-JP" altLang="en-US"/>
           </a:p>
@@ -3421,7 +3421,7 @@
           <a:p>
             <a:fld id="{F761C6F4-A0F9-4422-9F56-FD6EDE7EE696}" type="datetimeFigureOut">
               <a:rPr kumimoji="1" lang="ja-JP" altLang="en-US" smtClean="0"/>
-              <a:t>2020/11/12</a:t>
+              <a:t>2020/11/13</a:t>
             </a:fld>
             <a:endParaRPr kumimoji="1" lang="ja-JP" altLang="en-US"/>
           </a:p>
@@ -3727,7 +3727,7 @@
           <a:p>
             <a:fld id="{F761C6F4-A0F9-4422-9F56-FD6EDE7EE696}" type="datetimeFigureOut">
               <a:rPr kumimoji="1" lang="ja-JP" altLang="en-US" smtClean="0"/>
-              <a:t>2020/11/12</a:t>
+              <a:t>2020/11/13</a:t>
             </a:fld>
             <a:endParaRPr kumimoji="1" lang="ja-JP" altLang="en-US"/>
           </a:p>
@@ -4013,7 +4013,7 @@
           <a:p>
             <a:fld id="{F761C6F4-A0F9-4422-9F56-FD6EDE7EE696}" type="datetimeFigureOut">
               <a:rPr kumimoji="1" lang="ja-JP" altLang="en-US" smtClean="0"/>
-              <a:t>2020/11/12</a:t>
+              <a:t>2020/11/13</a:t>
             </a:fld>
             <a:endParaRPr kumimoji="1" lang="ja-JP" altLang="en-US"/>
           </a:p>
@@ -4313,7 +4313,7 @@
           <a:p>
             <a:fld id="{F761C6F4-A0F9-4422-9F56-FD6EDE7EE696}" type="datetimeFigureOut">
               <a:rPr kumimoji="1" lang="ja-JP" altLang="en-US" smtClean="0"/>
-              <a:t>2020/11/12</a:t>
+              <a:t>2020/11/13</a:t>
             </a:fld>
             <a:endParaRPr kumimoji="1" lang="ja-JP" altLang="en-US"/>
           </a:p>
@@ -4823,7 +4823,58 @@
                   <a:schemeClr val="tx1"/>
                 </a:solidFill>
               </a:rPr>
-              <a:t>篠崎　大生</a:t>
+              <a:t>篠崎　</a:t>
+            </a:r>
+            <a:r>
+              <a:rPr kumimoji="1" lang="ja-JP" altLang="en-US" dirty="0" smtClean="0">
+                <a:solidFill>
+                  <a:schemeClr val="tx1"/>
+                </a:solidFill>
+              </a:rPr>
+              <a:t>大生</a:t>
+            </a:r>
+            <a:endParaRPr kumimoji="1" lang="en-US" altLang="ja-JP" dirty="0" smtClean="0">
+              <a:solidFill>
+                <a:schemeClr val="tx1"/>
+              </a:solidFill>
+            </a:endParaRPr>
+          </a:p>
+          <a:p>
+            <a:r>
+              <a:rPr lang="en-US" altLang="ja-JP" dirty="0" smtClean="0"/>
+              <a:t>2020</a:t>
+            </a:r>
+            <a:r>
+              <a:rPr lang="ja-JP" altLang="en-US" dirty="0" smtClean="0"/>
+              <a:t>年 </a:t>
+            </a:r>
+            <a:r>
+              <a:rPr lang="en-US" altLang="ja-JP" dirty="0" smtClean="0"/>
+              <a:t>11</a:t>
+            </a:r>
+            <a:r>
+              <a:rPr lang="ja-JP" altLang="en-US" dirty="0" smtClean="0"/>
+              <a:t>月 </a:t>
+            </a:r>
+            <a:r>
+              <a:rPr lang="en-US" altLang="ja-JP" dirty="0" smtClean="0"/>
+              <a:t>13</a:t>
+            </a:r>
+            <a:r>
+              <a:rPr lang="ja-JP" altLang="en-US" dirty="0" smtClean="0"/>
+              <a:t>日</a:t>
+            </a:r>
+            <a:r>
+              <a:rPr lang="en-US" altLang="ja-JP" dirty="0" smtClean="0"/>
+              <a:t>(</a:t>
+            </a:r>
+            <a:r>
+              <a:rPr lang="ja-JP" altLang="en-US" dirty="0" smtClean="0"/>
+              <a:t>金</a:t>
+            </a:r>
+            <a:r>
+              <a:rPr lang="en-US" altLang="ja-JP" smtClean="0"/>
+              <a:t>)</a:t>
             </a:r>
             <a:endParaRPr kumimoji="1" lang="ja-JP" altLang="en-US" dirty="0">
               <a:solidFill>
@@ -5863,12 +5914,39 @@
           <a:p>
             <a:r>
               <a:rPr lang="ja-JP" altLang="en-US" dirty="0" smtClean="0"/>
-              <a:t>また過去の自分のコードを見返し、自分の成長を大いに感じることが出来、これからの取り組みに対する大きな励みとなった。</a:t>
+              <a:t>また過去の自分のコードを見返し、自分の成長を大いに感じることが出来、これからの取り組みに対する大きな励みとなった</a:t>
+            </a:r>
+            <a:r>
+              <a:rPr lang="ja-JP" altLang="en-US" dirty="0" smtClean="0"/>
+              <a:t>。</a:t>
+            </a:r>
+            <a:endParaRPr lang="en-US" altLang="ja-JP" dirty="0" smtClean="0"/>
+          </a:p>
+          <a:p>
+            <a:pPr marL="0" indent="0">
+              <a:buNone/>
+            </a:pPr>
+            <a:endParaRPr lang="en-US" altLang="ja-JP" dirty="0" smtClean="0"/>
+          </a:p>
+          <a:p>
+            <a:pPr marL="0" indent="0">
+              <a:buNone/>
+            </a:pPr>
+            <a:r>
+              <a:rPr lang="ja-JP" altLang="en-US" dirty="0" smtClean="0"/>
+              <a:t>　　　　　　　　　　　　　　　　　　　　　　以上</a:t>
+            </a:r>
+            <a:endParaRPr lang="en-US" altLang="ja-JP" dirty="0" smtClean="0"/>
+          </a:p>
+          <a:p>
+            <a:pPr marL="0" indent="0">
+              <a:buNone/>
+            </a:pPr>
+            <a:r>
+              <a:rPr lang="ja-JP" altLang="en-US" dirty="0" smtClean="0"/>
+              <a:t>　　　　　　　　　　ご清聴ありがとうございました。</a:t>
             </a:r>
             <a:endParaRPr lang="ja-JP" altLang="en-US" dirty="0"/>
-          </a:p>
-          <a:p>
-            <a:endParaRPr kumimoji="1" lang="ja-JP" altLang="en-US" dirty="0"/>
           </a:p>
         </p:txBody>
       </p:sp>
@@ -7495,11 +7573,7 @@
             </a:r>
             <a:r>
               <a:rPr lang="ja-JP" altLang="en-US" sz="1800" dirty="0" smtClean="0"/>
-              <a:t>移植時</a:t>
-            </a:r>
-            <a:r>
-              <a:rPr lang="ja-JP" altLang="en-US" sz="1800" dirty="0" smtClean="0"/>
-              <a:t>　→　上記に加えスーツ</a:t>
+              <a:t>移植時　→　上記に加えスーツ</a:t>
             </a:r>
             <a:r>
               <a:rPr lang="en-US" altLang="ja-JP" sz="1800" dirty="0"/>
@@ -7585,15 +7659,7 @@
             </a:r>
             <a:r>
               <a:rPr lang="ja-JP" altLang="en-US" sz="1800" dirty="0" smtClean="0"/>
-              <a:t>を</a:t>
-            </a:r>
-            <a:r>
-              <a:rPr lang="ja-JP" altLang="en-US" sz="1800" dirty="0" smtClean="0"/>
-              <a:t>作成し</a:t>
-            </a:r>
-            <a:r>
-              <a:rPr lang="ja-JP" altLang="en-US" sz="1800" dirty="0" smtClean="0"/>
-              <a:t>、</a:t>
+              <a:t>を作成し、</a:t>
             </a:r>
             <a:r>
               <a:rPr lang="ja-JP" altLang="en-US" sz="1800" dirty="0"/>
